--- a/Iteration-3/Iteration 3 Presentation.pptx
+++ b/Iteration-3/Iteration 3 Presentation.pptx
@@ -5,7 +5,7 @@
     <p:sldMasterId id="2147483705" r:id="rId1"/>
   </p:sldMasterIdLst>
   <p:notesMasterIdLst>
-    <p:notesMasterId r:id="rId11"/>
+    <p:notesMasterId r:id="rId13"/>
   </p:notesMasterIdLst>
   <p:sldIdLst>
     <p:sldId id="256" r:id="rId2"/>
@@ -15,8 +15,10 @@
     <p:sldId id="262" r:id="rId6"/>
     <p:sldId id="263" r:id="rId7"/>
     <p:sldId id="258" r:id="rId8"/>
-    <p:sldId id="259" r:id="rId9"/>
-    <p:sldId id="260" r:id="rId10"/>
+    <p:sldId id="265" r:id="rId9"/>
+    <p:sldId id="266" r:id="rId10"/>
+    <p:sldId id="259" r:id="rId11"/>
+    <p:sldId id="267" r:id="rId12"/>
   </p:sldIdLst>
   <p:sldSz cx="12192000" cy="6858000"/>
   <p:notesSz cx="6858000" cy="9144000"/>
@@ -115,6 +117,11 @@
       </a:defRPr>
     </a:lvl9pPr>
   </p:defaultTextStyle>
+  <p:extLst>
+    <p:ext uri="{EFAFB233-063F-42B5-8137-9DF3F51BA10A}">
+      <p15:sldGuideLst xmlns:p15="http://schemas.microsoft.com/office/powerpoint/2012/main"/>
+    </p:ext>
+  </p:extLst>
 </p:presentation>
 </file>
 
@@ -200,7 +207,7 @@
           <a:p>
             <a:fld id="{7A41334E-A61B-8C40-95BC-4826958890B5}" type="datetimeFigureOut">
               <a:rPr lang="en-US" smtClean="0"/>
-              <a:t>11/29/18</a:t>
+              <a:t>11/29/2018</a:t>
             </a:fld>
             <a:endParaRPr lang="en-US"/>
           </a:p>
@@ -768,7 +775,7 @@
             <a:spLocks noGrp="1"/>
           </p:cNvSpPr>
           <p:nvPr>
-            <p:ph type="sldNum" sz="quarter" idx="5"/>
+            <p:ph type="sldNum" sz="quarter" idx="10"/>
           </p:nvPr>
         </p:nvSpPr>
         <p:spPr/>
@@ -787,7 +794,7 @@
     </p:spTree>
     <p:extLst>
       <p:ext uri="{BB962C8B-B14F-4D97-AF65-F5344CB8AC3E}">
-        <p14:creationId xmlns:p14="http://schemas.microsoft.com/office/powerpoint/2010/main" val="3115434976"/>
+        <p14:creationId xmlns:p14="http://schemas.microsoft.com/office/powerpoint/2010/main" val="2930715789"/>
       </p:ext>
     </p:extLst>
   </p:cSld>
@@ -847,7 +854,7 @@
           <a:noFill/>
           <a:extLst>
             <a:ext uri="{909E8E84-426E-40dd-AFC4-6F175D3DCCD1}">
-              <a14:hiddenFill xmlns:a14="http://schemas.microsoft.com/office/drawing/2010/main" xmlns="">
+              <a14:hiddenFill xmlns="" xmlns:a14="http://schemas.microsoft.com/office/drawing/2010/main">
                 <a:solidFill>
                   <a:srgbClr val="FFFFFF"/>
                 </a:solidFill>
@@ -907,7 +914,7 @@
             </a:ln>
             <a:extLst>
               <a:ext uri="{91240B29-F687-4f45-9708-019B960494DF}">
-                <a14:hiddenLine xmlns:a14="http://schemas.microsoft.com/office/drawing/2010/main" xmlns="" w="9525">
+                <a14:hiddenLine xmlns="" xmlns:a14="http://schemas.microsoft.com/office/drawing/2010/main" w="9525">
                   <a:solidFill>
                     <a:srgbClr val="000000"/>
                   </a:solidFill>
@@ -997,7 +1004,7 @@
             </a:ln>
             <a:extLst>
               <a:ext uri="{91240B29-F687-4f45-9708-019B960494DF}">
-                <a14:hiddenLine xmlns:a14="http://schemas.microsoft.com/office/drawing/2010/main" xmlns="" w="9525">
+                <a14:hiddenLine xmlns="" xmlns:a14="http://schemas.microsoft.com/office/drawing/2010/main" w="9525">
                   <a:solidFill>
                     <a:srgbClr val="000000"/>
                   </a:solidFill>
@@ -1087,7 +1094,7 @@
             </a:ln>
             <a:extLst>
               <a:ext uri="{91240B29-F687-4f45-9708-019B960494DF}">
-                <a14:hiddenLine xmlns:a14="http://schemas.microsoft.com/office/drawing/2010/main" xmlns="" w="9525">
+                <a14:hiddenLine xmlns="" xmlns:a14="http://schemas.microsoft.com/office/drawing/2010/main" w="9525">
                   <a:solidFill>
                     <a:srgbClr val="000000"/>
                   </a:solidFill>
@@ -1121,7 +1128,7 @@
             </a:ln>
             <a:extLst>
               <a:ext uri="{91240B29-F687-4f45-9708-019B960494DF}">
-                <a14:hiddenLine xmlns:a14="http://schemas.microsoft.com/office/drawing/2010/main" xmlns="" w="9525">
+                <a14:hiddenLine xmlns="" xmlns:a14="http://schemas.microsoft.com/office/drawing/2010/main" w="9525">
                   <a:solidFill>
                     <a:srgbClr val="000000"/>
                   </a:solidFill>
@@ -1211,7 +1218,7 @@
             </a:ln>
             <a:extLst>
               <a:ext uri="{91240B29-F687-4f45-9708-019B960494DF}">
-                <a14:hiddenLine xmlns:a14="http://schemas.microsoft.com/office/drawing/2010/main" xmlns="" w="9525">
+                <a14:hiddenLine xmlns="" xmlns:a14="http://schemas.microsoft.com/office/drawing/2010/main" w="9525">
                   <a:solidFill>
                     <a:srgbClr val="000000"/>
                   </a:solidFill>
@@ -1273,7 +1280,7 @@
             </a:ln>
             <a:extLst>
               <a:ext uri="{91240B29-F687-4f45-9708-019B960494DF}">
-                <a14:hiddenLine xmlns:a14="http://schemas.microsoft.com/office/drawing/2010/main" xmlns="" w="9525">
+                <a14:hiddenLine xmlns="" xmlns:a14="http://schemas.microsoft.com/office/drawing/2010/main" w="9525">
                   <a:solidFill>
                     <a:srgbClr val="000000"/>
                   </a:solidFill>
@@ -1335,7 +1342,7 @@
             </a:ln>
             <a:extLst>
               <a:ext uri="{91240B29-F687-4f45-9708-019B960494DF}">
-                <a14:hiddenLine xmlns:a14="http://schemas.microsoft.com/office/drawing/2010/main" xmlns="" w="9525">
+                <a14:hiddenLine xmlns="" xmlns:a14="http://schemas.microsoft.com/office/drawing/2010/main" w="9525">
                   <a:solidFill>
                     <a:srgbClr val="000000"/>
                   </a:solidFill>
@@ -1425,7 +1432,7 @@
             </a:ln>
             <a:extLst>
               <a:ext uri="{91240B29-F687-4f45-9708-019B960494DF}">
-                <a14:hiddenLine xmlns:a14="http://schemas.microsoft.com/office/drawing/2010/main" xmlns="" w="9525">
+                <a14:hiddenLine xmlns="" xmlns:a14="http://schemas.microsoft.com/office/drawing/2010/main" w="9525">
                   <a:solidFill>
                     <a:srgbClr val="000000"/>
                   </a:solidFill>
@@ -1487,7 +1494,7 @@
             </a:ln>
             <a:extLst>
               <a:ext uri="{91240B29-F687-4f45-9708-019B960494DF}">
-                <a14:hiddenLine xmlns:a14="http://schemas.microsoft.com/office/drawing/2010/main" xmlns="" w="9525">
+                <a14:hiddenLine xmlns="" xmlns:a14="http://schemas.microsoft.com/office/drawing/2010/main" w="9525">
                   <a:solidFill>
                     <a:srgbClr val="000000"/>
                   </a:solidFill>
@@ -1549,7 +1556,7 @@
             </a:ln>
             <a:extLst>
               <a:ext uri="{91240B29-F687-4f45-9708-019B960494DF}">
-                <a14:hiddenLine xmlns:a14="http://schemas.microsoft.com/office/drawing/2010/main" xmlns="" w="9525">
+                <a14:hiddenLine xmlns="" xmlns:a14="http://schemas.microsoft.com/office/drawing/2010/main" w="9525">
                   <a:solidFill>
                     <a:srgbClr val="000000"/>
                   </a:solidFill>
@@ -1639,7 +1646,7 @@
             </a:ln>
             <a:extLst>
               <a:ext uri="{91240B29-F687-4f45-9708-019B960494DF}">
-                <a14:hiddenLine xmlns:a14="http://schemas.microsoft.com/office/drawing/2010/main" xmlns="" w="9525">
+                <a14:hiddenLine xmlns="" xmlns:a14="http://schemas.microsoft.com/office/drawing/2010/main" w="9525">
                   <a:solidFill>
                     <a:srgbClr val="000000"/>
                   </a:solidFill>
@@ -1729,7 +1736,7 @@
             </a:ln>
             <a:extLst>
               <a:ext uri="{91240B29-F687-4f45-9708-019B960494DF}">
-                <a14:hiddenLine xmlns:a14="http://schemas.microsoft.com/office/drawing/2010/main" xmlns="" w="9525">
+                <a14:hiddenLine xmlns="" xmlns:a14="http://schemas.microsoft.com/office/drawing/2010/main" w="9525">
                   <a:solidFill>
                     <a:srgbClr val="000000"/>
                   </a:solidFill>
@@ -1791,7 +1798,7 @@
             </a:ln>
             <a:extLst>
               <a:ext uri="{91240B29-F687-4f45-9708-019B960494DF}">
-                <a14:hiddenLine xmlns:a14="http://schemas.microsoft.com/office/drawing/2010/main" xmlns="" w="9525">
+                <a14:hiddenLine xmlns="" xmlns:a14="http://schemas.microsoft.com/office/drawing/2010/main" w="9525">
                   <a:solidFill>
                     <a:srgbClr val="000000"/>
                   </a:solidFill>
@@ -1901,7 +1908,7 @@
             </a:ln>
             <a:extLst>
               <a:ext uri="{91240B29-F687-4f45-9708-019B960494DF}">
-                <a14:hiddenLine xmlns:a14="http://schemas.microsoft.com/office/drawing/2010/main" xmlns="" w="9525">
+                <a14:hiddenLine xmlns="" xmlns:a14="http://schemas.microsoft.com/office/drawing/2010/main" w="9525">
                   <a:solidFill>
                     <a:srgbClr val="000000"/>
                   </a:solidFill>
@@ -1963,7 +1970,7 @@
             </a:ln>
             <a:extLst>
               <a:ext uri="{91240B29-F687-4f45-9708-019B960494DF}">
-                <a14:hiddenLine xmlns:a14="http://schemas.microsoft.com/office/drawing/2010/main" xmlns="" w="9525">
+                <a14:hiddenLine xmlns="" xmlns:a14="http://schemas.microsoft.com/office/drawing/2010/main" w="9525">
                   <a:solidFill>
                     <a:srgbClr val="000000"/>
                   </a:solidFill>
@@ -2053,7 +2060,7 @@
             </a:ln>
             <a:extLst>
               <a:ext uri="{91240B29-F687-4f45-9708-019B960494DF}">
-                <a14:hiddenLine xmlns:a14="http://schemas.microsoft.com/office/drawing/2010/main" xmlns="" w="9525">
+                <a14:hiddenLine xmlns="" xmlns:a14="http://schemas.microsoft.com/office/drawing/2010/main" w="9525">
                   <a:solidFill>
                     <a:srgbClr val="000000"/>
                   </a:solidFill>
@@ -2143,7 +2150,7 @@
             </a:ln>
             <a:extLst>
               <a:ext uri="{91240B29-F687-4f45-9708-019B960494DF}">
-                <a14:hiddenLine xmlns:a14="http://schemas.microsoft.com/office/drawing/2010/main" xmlns="" w="9525">
+                <a14:hiddenLine xmlns="" xmlns:a14="http://schemas.microsoft.com/office/drawing/2010/main" w="9525">
                   <a:solidFill>
                     <a:srgbClr val="000000"/>
                   </a:solidFill>
@@ -2205,7 +2212,7 @@
             </a:ln>
             <a:extLst>
               <a:ext uri="{91240B29-F687-4f45-9708-019B960494DF}">
-                <a14:hiddenLine xmlns:a14="http://schemas.microsoft.com/office/drawing/2010/main" xmlns="" w="9525">
+                <a14:hiddenLine xmlns="" xmlns:a14="http://schemas.microsoft.com/office/drawing/2010/main" w="9525">
                   <a:solidFill>
                     <a:srgbClr val="000000"/>
                   </a:solidFill>
@@ -2295,7 +2302,7 @@
             </a:ln>
             <a:extLst>
               <a:ext uri="{91240B29-F687-4f45-9708-019B960494DF}">
-                <a14:hiddenLine xmlns:a14="http://schemas.microsoft.com/office/drawing/2010/main" xmlns="" w="9525">
+                <a14:hiddenLine xmlns="" xmlns:a14="http://schemas.microsoft.com/office/drawing/2010/main" w="9525">
                   <a:solidFill>
                     <a:srgbClr val="000000"/>
                   </a:solidFill>
@@ -2385,7 +2392,7 @@
             </a:ln>
             <a:extLst>
               <a:ext uri="{91240B29-F687-4f45-9708-019B960494DF}">
-                <a14:hiddenLine xmlns:a14="http://schemas.microsoft.com/office/drawing/2010/main" xmlns="" w="9525">
+                <a14:hiddenLine xmlns="" xmlns:a14="http://schemas.microsoft.com/office/drawing/2010/main" w="9525">
                   <a:solidFill>
                     <a:srgbClr val="000000"/>
                   </a:solidFill>
@@ -2441,7 +2448,7 @@
             </a:ln>
             <a:extLst>
               <a:ext uri="{91240B29-F687-4f45-9708-019B960494DF}">
-                <a14:hiddenLine xmlns:a14="http://schemas.microsoft.com/office/drawing/2010/main" xmlns="" w="9525">
+                <a14:hiddenLine xmlns="" xmlns:a14="http://schemas.microsoft.com/office/drawing/2010/main" w="9525">
                   <a:solidFill>
                     <a:srgbClr val="000000"/>
                   </a:solidFill>
@@ -2531,7 +2538,7 @@
             </a:ln>
             <a:extLst>
               <a:ext uri="{91240B29-F687-4f45-9708-019B960494DF}">
-                <a14:hiddenLine xmlns:a14="http://schemas.microsoft.com/office/drawing/2010/main" xmlns="" w="9525">
+                <a14:hiddenLine xmlns="" xmlns:a14="http://schemas.microsoft.com/office/drawing/2010/main" w="9525">
                   <a:solidFill>
                     <a:srgbClr val="000000"/>
                   </a:solidFill>
@@ -2587,7 +2594,7 @@
             </a:ln>
             <a:extLst>
               <a:ext uri="{91240B29-F687-4f45-9708-019B960494DF}">
-                <a14:hiddenLine xmlns:a14="http://schemas.microsoft.com/office/drawing/2010/main" xmlns="" w="9525">
+                <a14:hiddenLine xmlns="" xmlns:a14="http://schemas.microsoft.com/office/drawing/2010/main" w="9525">
                   <a:solidFill>
                     <a:srgbClr val="000000"/>
                   </a:solidFill>
@@ -2677,7 +2684,7 @@
             </a:ln>
             <a:extLst>
               <a:ext uri="{91240B29-F687-4f45-9708-019B960494DF}">
-                <a14:hiddenLine xmlns:a14="http://schemas.microsoft.com/office/drawing/2010/main" xmlns="" w="9525">
+                <a14:hiddenLine xmlns="" xmlns:a14="http://schemas.microsoft.com/office/drawing/2010/main" w="9525">
                   <a:solidFill>
                     <a:srgbClr val="000000"/>
                   </a:solidFill>
@@ -2745,7 +2752,7 @@
             </a:ln>
             <a:extLst>
               <a:ext uri="{91240B29-F687-4f45-9708-019B960494DF}">
-                <a14:hiddenLine xmlns:a14="http://schemas.microsoft.com/office/drawing/2010/main" xmlns="" w="9525">
+                <a14:hiddenLine xmlns="" xmlns:a14="http://schemas.microsoft.com/office/drawing/2010/main" w="9525">
                   <a:solidFill>
                     <a:srgbClr val="000000"/>
                   </a:solidFill>
@@ -2835,7 +2842,7 @@
             </a:ln>
             <a:extLst>
               <a:ext uri="{91240B29-F687-4f45-9708-019B960494DF}">
-                <a14:hiddenLine xmlns:a14="http://schemas.microsoft.com/office/drawing/2010/main" xmlns="" w="9525">
+                <a14:hiddenLine xmlns="" xmlns:a14="http://schemas.microsoft.com/office/drawing/2010/main" w="9525">
                   <a:solidFill>
                     <a:srgbClr val="000000"/>
                   </a:solidFill>
@@ -2903,7 +2910,7 @@
             </a:ln>
             <a:extLst>
               <a:ext uri="{91240B29-F687-4f45-9708-019B960494DF}">
-                <a14:hiddenLine xmlns:a14="http://schemas.microsoft.com/office/drawing/2010/main" xmlns="" w="9525">
+                <a14:hiddenLine xmlns="" xmlns:a14="http://schemas.microsoft.com/office/drawing/2010/main" w="9525">
                   <a:solidFill>
                     <a:srgbClr val="000000"/>
                   </a:solidFill>
@@ -2993,7 +3000,7 @@
             </a:ln>
             <a:extLst>
               <a:ext uri="{91240B29-F687-4f45-9708-019B960494DF}">
-                <a14:hiddenLine xmlns:a14="http://schemas.microsoft.com/office/drawing/2010/main" xmlns="" w="9525">
+                <a14:hiddenLine xmlns="" xmlns:a14="http://schemas.microsoft.com/office/drawing/2010/main" w="9525">
                   <a:solidFill>
                     <a:srgbClr val="000000"/>
                   </a:solidFill>
@@ -3027,7 +3034,7 @@
             </a:ln>
             <a:extLst>
               <a:ext uri="{91240B29-F687-4f45-9708-019B960494DF}">
-                <a14:hiddenLine xmlns:a14="http://schemas.microsoft.com/office/drawing/2010/main" xmlns="" w="9525">
+                <a14:hiddenLine xmlns="" xmlns:a14="http://schemas.microsoft.com/office/drawing/2010/main" w="9525">
                   <a:solidFill>
                     <a:srgbClr val="000000"/>
                   </a:solidFill>
@@ -3117,7 +3124,7 @@
             </a:ln>
             <a:extLst>
               <a:ext uri="{91240B29-F687-4f45-9708-019B960494DF}">
-                <a14:hiddenLine xmlns:a14="http://schemas.microsoft.com/office/drawing/2010/main" xmlns="" w="9525">
+                <a14:hiddenLine xmlns="" xmlns:a14="http://schemas.microsoft.com/office/drawing/2010/main" w="9525">
                   <a:solidFill>
                     <a:srgbClr val="000000"/>
                   </a:solidFill>
@@ -3179,7 +3186,7 @@
             </a:ln>
             <a:extLst>
               <a:ext uri="{91240B29-F687-4f45-9708-019B960494DF}">
-                <a14:hiddenLine xmlns:a14="http://schemas.microsoft.com/office/drawing/2010/main" xmlns="" w="9525">
+                <a14:hiddenLine xmlns="" xmlns:a14="http://schemas.microsoft.com/office/drawing/2010/main" w="9525">
                   <a:solidFill>
                     <a:srgbClr val="000000"/>
                   </a:solidFill>
@@ -3241,7 +3248,7 @@
             </a:ln>
             <a:extLst>
               <a:ext uri="{91240B29-F687-4f45-9708-019B960494DF}">
-                <a14:hiddenLine xmlns:a14="http://schemas.microsoft.com/office/drawing/2010/main" xmlns="" w="9525">
+                <a14:hiddenLine xmlns="" xmlns:a14="http://schemas.microsoft.com/office/drawing/2010/main" w="9525">
                   <a:solidFill>
                     <a:srgbClr val="000000"/>
                   </a:solidFill>
@@ -3331,7 +3338,7 @@
             </a:ln>
             <a:extLst>
               <a:ext uri="{91240B29-F687-4f45-9708-019B960494DF}">
-                <a14:hiddenLine xmlns:a14="http://schemas.microsoft.com/office/drawing/2010/main" xmlns="" w="9525">
+                <a14:hiddenLine xmlns="" xmlns:a14="http://schemas.microsoft.com/office/drawing/2010/main" w="9525">
                   <a:solidFill>
                     <a:srgbClr val="000000"/>
                   </a:solidFill>
@@ -3399,7 +3406,7 @@
             </a:ln>
             <a:extLst>
               <a:ext uri="{91240B29-F687-4f45-9708-019B960494DF}">
-                <a14:hiddenLine xmlns:a14="http://schemas.microsoft.com/office/drawing/2010/main" xmlns="" w="9525">
+                <a14:hiddenLine xmlns="" xmlns:a14="http://schemas.microsoft.com/office/drawing/2010/main" w="9525">
                   <a:solidFill>
                     <a:srgbClr val="000000"/>
                   </a:solidFill>
@@ -3461,7 +3468,7 @@
             </a:ln>
             <a:extLst>
               <a:ext uri="{91240B29-F687-4f45-9708-019B960494DF}">
-                <a14:hiddenLine xmlns:a14="http://schemas.microsoft.com/office/drawing/2010/main" xmlns="" w="9525">
+                <a14:hiddenLine xmlns="" xmlns:a14="http://schemas.microsoft.com/office/drawing/2010/main" w="9525">
                   <a:solidFill>
                     <a:srgbClr val="000000"/>
                   </a:solidFill>
@@ -3551,7 +3558,7 @@
             </a:ln>
             <a:extLst>
               <a:ext uri="{91240B29-F687-4f45-9708-019B960494DF}">
-                <a14:hiddenLine xmlns:a14="http://schemas.microsoft.com/office/drawing/2010/main" xmlns="" w="9525">
+                <a14:hiddenLine xmlns="" xmlns:a14="http://schemas.microsoft.com/office/drawing/2010/main" w="9525">
                   <a:solidFill>
                     <a:srgbClr val="000000"/>
                   </a:solidFill>
@@ -3613,7 +3620,7 @@
             </a:ln>
             <a:extLst>
               <a:ext uri="{91240B29-F687-4f45-9708-019B960494DF}">
-                <a14:hiddenLine xmlns:a14="http://schemas.microsoft.com/office/drawing/2010/main" xmlns="" w="9525">
+                <a14:hiddenLine xmlns="" xmlns:a14="http://schemas.microsoft.com/office/drawing/2010/main" w="9525">
                   <a:solidFill>
                     <a:srgbClr val="000000"/>
                   </a:solidFill>
@@ -3703,7 +3710,7 @@
             </a:ln>
             <a:extLst>
               <a:ext uri="{91240B29-F687-4f45-9708-019B960494DF}">
-                <a14:hiddenLine xmlns:a14="http://schemas.microsoft.com/office/drawing/2010/main" xmlns="" w="9525">
+                <a14:hiddenLine xmlns="" xmlns:a14="http://schemas.microsoft.com/office/drawing/2010/main" w="9525">
                   <a:solidFill>
                     <a:srgbClr val="000000"/>
                   </a:solidFill>
@@ -3765,7 +3772,7 @@
             </a:ln>
             <a:extLst>
               <a:ext uri="{91240B29-F687-4f45-9708-019B960494DF}">
-                <a14:hiddenLine xmlns:a14="http://schemas.microsoft.com/office/drawing/2010/main" xmlns="" w="9525">
+                <a14:hiddenLine xmlns="" xmlns:a14="http://schemas.microsoft.com/office/drawing/2010/main" w="9525">
                   <a:solidFill>
                     <a:srgbClr val="000000"/>
                   </a:solidFill>
@@ -3855,7 +3862,7 @@
             </a:ln>
             <a:extLst>
               <a:ext uri="{91240B29-F687-4f45-9708-019B960494DF}">
-                <a14:hiddenLine xmlns:a14="http://schemas.microsoft.com/office/drawing/2010/main" xmlns="" w="9525">
+                <a14:hiddenLine xmlns="" xmlns:a14="http://schemas.microsoft.com/office/drawing/2010/main" w="9525">
                   <a:solidFill>
                     <a:srgbClr val="000000"/>
                   </a:solidFill>
@@ -3889,7 +3896,7 @@
             </a:ln>
             <a:extLst>
               <a:ext uri="{91240B29-F687-4f45-9708-019B960494DF}">
-                <a14:hiddenLine xmlns:a14="http://schemas.microsoft.com/office/drawing/2010/main" xmlns="" w="9525">
+                <a14:hiddenLine xmlns="" xmlns:a14="http://schemas.microsoft.com/office/drawing/2010/main" w="9525">
                   <a:solidFill>
                     <a:srgbClr val="000000"/>
                   </a:solidFill>
@@ -3954,7 +3961,7 @@
             </a:ln>
             <a:extLst>
               <a:ext uri="{91240B29-F687-4f45-9708-019B960494DF}">
-                <a14:hiddenLine xmlns:a14="http://schemas.microsoft.com/office/drawing/2010/main" xmlns="" w="9525">
+                <a14:hiddenLine xmlns="" xmlns:a14="http://schemas.microsoft.com/office/drawing/2010/main" w="9525">
                   <a:solidFill>
                     <a:srgbClr val="000000"/>
                   </a:solidFill>
@@ -4044,7 +4051,7 @@
             </a:ln>
             <a:extLst>
               <a:ext uri="{91240B29-F687-4f45-9708-019B960494DF}">
-                <a14:hiddenLine xmlns:a14="http://schemas.microsoft.com/office/drawing/2010/main" xmlns="" w="9525">
+                <a14:hiddenLine xmlns="" xmlns:a14="http://schemas.microsoft.com/office/drawing/2010/main" w="9525">
                   <a:solidFill>
                     <a:srgbClr val="000000"/>
                   </a:solidFill>
@@ -4106,7 +4113,7 @@
             </a:ln>
             <a:extLst>
               <a:ext uri="{91240B29-F687-4f45-9708-019B960494DF}">
-                <a14:hiddenLine xmlns:a14="http://schemas.microsoft.com/office/drawing/2010/main" xmlns="" w="9525">
+                <a14:hiddenLine xmlns="" xmlns:a14="http://schemas.microsoft.com/office/drawing/2010/main" w="9525">
                   <a:solidFill>
                     <a:srgbClr val="000000"/>
                   </a:solidFill>
@@ -4196,7 +4203,7 @@
             </a:ln>
             <a:extLst>
               <a:ext uri="{91240B29-F687-4f45-9708-019B960494DF}">
-                <a14:hiddenLine xmlns:a14="http://schemas.microsoft.com/office/drawing/2010/main" xmlns="" w="9525">
+                <a14:hiddenLine xmlns="" xmlns:a14="http://schemas.microsoft.com/office/drawing/2010/main" w="9525">
                   <a:solidFill>
                     <a:srgbClr val="000000"/>
                   </a:solidFill>
@@ -4286,7 +4293,7 @@
             </a:ln>
             <a:extLst>
               <a:ext uri="{91240B29-F687-4f45-9708-019B960494DF}">
-                <a14:hiddenLine xmlns:a14="http://schemas.microsoft.com/office/drawing/2010/main" xmlns="" w="9525">
+                <a14:hiddenLine xmlns="" xmlns:a14="http://schemas.microsoft.com/office/drawing/2010/main" w="9525">
                   <a:solidFill>
                     <a:srgbClr val="000000"/>
                   </a:solidFill>
@@ -4351,7 +4358,7 @@
             </a:ln>
             <a:extLst>
               <a:ext uri="{91240B29-F687-4f45-9708-019B960494DF}">
-                <a14:hiddenLine xmlns:a14="http://schemas.microsoft.com/office/drawing/2010/main" xmlns="" w="9525">
+                <a14:hiddenLine xmlns="" xmlns:a14="http://schemas.microsoft.com/office/drawing/2010/main" w="9525">
                   <a:solidFill>
                     <a:srgbClr val="000000"/>
                   </a:solidFill>
@@ -4413,7 +4420,7 @@
             </a:ln>
             <a:extLst>
               <a:ext uri="{91240B29-F687-4f45-9708-019B960494DF}">
-                <a14:hiddenLine xmlns:a14="http://schemas.microsoft.com/office/drawing/2010/main" xmlns="" w="9525">
+                <a14:hiddenLine xmlns="" xmlns:a14="http://schemas.microsoft.com/office/drawing/2010/main" w="9525">
                   <a:solidFill>
                     <a:srgbClr val="000000"/>
                   </a:solidFill>
@@ -4503,7 +4510,7 @@
             </a:ln>
             <a:extLst>
               <a:ext uri="{91240B29-F687-4f45-9708-019B960494DF}">
-                <a14:hiddenLine xmlns:a14="http://schemas.microsoft.com/office/drawing/2010/main" xmlns="" w="9525">
+                <a14:hiddenLine xmlns="" xmlns:a14="http://schemas.microsoft.com/office/drawing/2010/main" w="9525">
                   <a:solidFill>
                     <a:srgbClr val="000000"/>
                   </a:solidFill>
@@ -4593,7 +4600,7 @@
             </a:ln>
             <a:extLst>
               <a:ext uri="{91240B29-F687-4f45-9708-019B960494DF}">
-                <a14:hiddenLine xmlns:a14="http://schemas.microsoft.com/office/drawing/2010/main" xmlns="" w="9525">
+                <a14:hiddenLine xmlns="" xmlns:a14="http://schemas.microsoft.com/office/drawing/2010/main" w="9525">
                   <a:solidFill>
                     <a:srgbClr val="000000"/>
                   </a:solidFill>
@@ -4655,7 +4662,7 @@
             </a:ln>
             <a:extLst>
               <a:ext uri="{91240B29-F687-4f45-9708-019B960494DF}">
-                <a14:hiddenLine xmlns:a14="http://schemas.microsoft.com/office/drawing/2010/main" xmlns="" w="9525">
+                <a14:hiddenLine xmlns="" xmlns:a14="http://schemas.microsoft.com/office/drawing/2010/main" w="9525">
                   <a:solidFill>
                     <a:srgbClr val="000000"/>
                   </a:solidFill>
@@ -4775,7 +4782,7 @@
             </a:ln>
             <a:extLst>
               <a:ext uri="{91240B29-F687-4f45-9708-019B960494DF}">
-                <a14:hiddenLine xmlns:a14="http://schemas.microsoft.com/office/drawing/2010/main" xmlns="" w="9525">
+                <a14:hiddenLine xmlns="" xmlns:a14="http://schemas.microsoft.com/office/drawing/2010/main" w="9525">
                   <a:solidFill>
                     <a:srgbClr val="000000"/>
                   </a:solidFill>
@@ -4843,7 +4850,7 @@
             </a:ln>
             <a:extLst>
               <a:ext uri="{91240B29-F687-4f45-9708-019B960494DF}">
-                <a14:hiddenLine xmlns:a14="http://schemas.microsoft.com/office/drawing/2010/main" xmlns="" w="9525">
+                <a14:hiddenLine xmlns="" xmlns:a14="http://schemas.microsoft.com/office/drawing/2010/main" w="9525">
                   <a:solidFill>
                     <a:srgbClr val="000000"/>
                   </a:solidFill>
@@ -4933,7 +4940,7 @@
             </a:ln>
             <a:extLst>
               <a:ext uri="{91240B29-F687-4f45-9708-019B960494DF}">
-                <a14:hiddenLine xmlns:a14="http://schemas.microsoft.com/office/drawing/2010/main" xmlns="" w="9525">
+                <a14:hiddenLine xmlns="" xmlns:a14="http://schemas.microsoft.com/office/drawing/2010/main" w="9525">
                   <a:solidFill>
                     <a:srgbClr val="000000"/>
                   </a:solidFill>
@@ -5073,7 +5080,7 @@
           <a:p>
             <a:fld id="{48A87A34-81AB-432B-8DAE-1953F412C126}" type="datetimeFigureOut">
               <a:rPr lang="en-US" smtClean="0"/>
-              <a:t>11/29/18</a:t>
+              <a:t>11/29/2018</a:t>
             </a:fld>
             <a:endParaRPr lang="en-US" dirty="0"/>
           </a:p>
@@ -5341,7 +5348,7 @@
             <a:fld id="{48A87A34-81AB-432B-8DAE-1953F412C126}" type="datetimeFigureOut">
               <a:rPr lang="en-US" smtClean="0"/>
               <a:pPr/>
-              <a:t>11/29/18</a:t>
+              <a:t>11/29/2018</a:t>
             </a:fld>
             <a:endParaRPr lang="en-US" dirty="0"/>
           </a:p>
@@ -5539,7 +5546,7 @@
             <a:fld id="{48A87A34-81AB-432B-8DAE-1953F412C126}" type="datetimeFigureOut">
               <a:rPr lang="en-US" smtClean="0"/>
               <a:pPr/>
-              <a:t>11/29/18</a:t>
+              <a:t>11/29/2018</a:t>
             </a:fld>
             <a:endParaRPr lang="en-US" dirty="0"/>
           </a:p>
@@ -5804,7 +5811,7 @@
             <a:fld id="{48A87A34-81AB-432B-8DAE-1953F412C126}" type="datetimeFigureOut">
               <a:rPr lang="en-US" smtClean="0"/>
               <a:pPr/>
-              <a:t>11/29/18</a:t>
+              <a:t>11/29/2018</a:t>
             </a:fld>
             <a:endParaRPr lang="en-US" dirty="0"/>
           </a:p>
@@ -6240,7 +6247,7 @@
             <a:fld id="{48A87A34-81AB-432B-8DAE-1953F412C126}" type="datetimeFigureOut">
               <a:rPr lang="en-US" smtClean="0"/>
               <a:pPr/>
-              <a:t>11/29/18</a:t>
+              <a:t>11/29/2018</a:t>
             </a:fld>
             <a:endParaRPr lang="en-US" dirty="0"/>
           </a:p>
@@ -6788,7 +6795,7 @@
             <a:fld id="{48A87A34-81AB-432B-8DAE-1953F412C126}" type="datetimeFigureOut">
               <a:rPr lang="en-US" smtClean="0"/>
               <a:pPr/>
-              <a:t>11/29/18</a:t>
+              <a:t>11/29/2018</a:t>
             </a:fld>
             <a:endParaRPr lang="en-US" dirty="0"/>
           </a:p>
@@ -7510,7 +7517,7 @@
             <a:fld id="{48A87A34-81AB-432B-8DAE-1953F412C126}" type="datetimeFigureOut">
               <a:rPr lang="en-US" smtClean="0"/>
               <a:pPr/>
-              <a:t>11/29/18</a:t>
+              <a:t>11/29/2018</a:t>
             </a:fld>
             <a:endParaRPr lang="en-US" dirty="0"/>
           </a:p>
@@ -7681,7 +7688,7 @@
           <a:p>
             <a:fld id="{48A87A34-81AB-432B-8DAE-1953F412C126}" type="datetimeFigureOut">
               <a:rPr lang="en-US" smtClean="0"/>
-              <a:t>11/29/18</a:t>
+              <a:t>11/29/2018</a:t>
             </a:fld>
             <a:endParaRPr lang="en-US" dirty="0"/>
           </a:p>
@@ -7861,7 +7868,7 @@
           <a:p>
             <a:fld id="{48A87A34-81AB-432B-8DAE-1953F412C126}" type="datetimeFigureOut">
               <a:rPr lang="en-US" smtClean="0"/>
-              <a:t>11/29/18</a:t>
+              <a:t>11/29/2018</a:t>
             </a:fld>
             <a:endParaRPr lang="en-US" dirty="0"/>
           </a:p>
@@ -8031,7 +8038,7 @@
           <a:p>
             <a:fld id="{48A87A34-81AB-432B-8DAE-1953F412C126}" type="datetimeFigureOut">
               <a:rPr lang="en-US" smtClean="0"/>
-              <a:t>11/29/18</a:t>
+              <a:t>11/29/2018</a:t>
             </a:fld>
             <a:endParaRPr lang="en-US" dirty="0"/>
           </a:p>
@@ -8281,7 +8288,7 @@
           <a:p>
             <a:fld id="{48A87A34-81AB-432B-8DAE-1953F412C126}" type="datetimeFigureOut">
               <a:rPr lang="en-US" smtClean="0"/>
-              <a:t>11/29/18</a:t>
+              <a:t>11/29/2018</a:t>
             </a:fld>
             <a:endParaRPr lang="en-US" dirty="0"/>
           </a:p>
@@ -8513,7 +8520,7 @@
           <a:p>
             <a:fld id="{48A87A34-81AB-432B-8DAE-1953F412C126}" type="datetimeFigureOut">
               <a:rPr lang="en-US" smtClean="0"/>
-              <a:t>11/29/18</a:t>
+              <a:t>11/29/2018</a:t>
             </a:fld>
             <a:endParaRPr lang="en-US" dirty="0"/>
           </a:p>
@@ -8894,7 +8901,7 @@
           <a:p>
             <a:fld id="{48A87A34-81AB-432B-8DAE-1953F412C126}" type="datetimeFigureOut">
               <a:rPr lang="en-US" smtClean="0"/>
-              <a:t>11/29/18</a:t>
+              <a:t>11/29/2018</a:t>
             </a:fld>
             <a:endParaRPr lang="en-US" dirty="0"/>
           </a:p>
@@ -9012,7 +9019,7 @@
           <a:p>
             <a:fld id="{48A87A34-81AB-432B-8DAE-1953F412C126}" type="datetimeFigureOut">
               <a:rPr lang="en-US" smtClean="0"/>
-              <a:t>11/29/18</a:t>
+              <a:t>11/29/2018</a:t>
             </a:fld>
             <a:endParaRPr lang="en-US" dirty="0"/>
           </a:p>
@@ -9107,7 +9114,7 @@
           <a:p>
             <a:fld id="{48A87A34-81AB-432B-8DAE-1953F412C126}" type="datetimeFigureOut">
               <a:rPr lang="en-US" smtClean="0"/>
-              <a:t>11/29/18</a:t>
+              <a:t>11/29/2018</a:t>
             </a:fld>
             <a:endParaRPr lang="en-US" dirty="0"/>
           </a:p>
@@ -9356,7 +9363,7 @@
           <a:p>
             <a:fld id="{48A87A34-81AB-432B-8DAE-1953F412C126}" type="datetimeFigureOut">
               <a:rPr lang="en-US" smtClean="0"/>
-              <a:t>11/29/18</a:t>
+              <a:t>11/29/2018</a:t>
             </a:fld>
             <a:endParaRPr lang="en-US" dirty="0"/>
           </a:p>
@@ -9636,7 +9643,7 @@
           <a:p>
             <a:fld id="{48A87A34-81AB-432B-8DAE-1953F412C126}" type="datetimeFigureOut">
               <a:rPr lang="en-US" smtClean="0"/>
-              <a:t>11/29/18</a:t>
+              <a:t>11/29/2018</a:t>
             </a:fld>
             <a:endParaRPr lang="en-US" dirty="0"/>
           </a:p>
@@ -9752,7 +9759,7 @@
           <a:noFill/>
           <a:extLst>
             <a:ext uri="{909E8E84-426E-40dd-AFC4-6F175D3DCCD1}">
-              <a14:hiddenFill xmlns:a14="http://schemas.microsoft.com/office/drawing/2010/main" xmlns="">
+              <a14:hiddenFill xmlns="" xmlns:a14="http://schemas.microsoft.com/office/drawing/2010/main">
                 <a:solidFill>
                   <a:srgbClr val="FFFFFF"/>
                 </a:solidFill>
@@ -9826,7 +9833,7 @@
               </a:ln>
               <a:extLst>
                 <a:ext uri="{91240B29-F687-4f45-9708-019B960494DF}">
-                  <a14:hiddenLine xmlns:a14="http://schemas.microsoft.com/office/drawing/2010/main" xmlns="" w="9525">
+                  <a14:hiddenLine xmlns="" xmlns:a14="http://schemas.microsoft.com/office/drawing/2010/main" w="9525">
                     <a:solidFill>
                       <a:srgbClr val="000000"/>
                     </a:solidFill>
@@ -9916,7 +9923,7 @@
               </a:ln>
               <a:extLst>
                 <a:ext uri="{91240B29-F687-4f45-9708-019B960494DF}">
-                  <a14:hiddenLine xmlns:a14="http://schemas.microsoft.com/office/drawing/2010/main" xmlns="" w="9525">
+                  <a14:hiddenLine xmlns="" xmlns:a14="http://schemas.microsoft.com/office/drawing/2010/main" w="9525">
                     <a:solidFill>
                       <a:srgbClr val="000000"/>
                     </a:solidFill>
@@ -10006,7 +10013,7 @@
               </a:ln>
               <a:extLst>
                 <a:ext uri="{91240B29-F687-4f45-9708-019B960494DF}">
-                  <a14:hiddenLine xmlns:a14="http://schemas.microsoft.com/office/drawing/2010/main" xmlns="" w="9525">
+                  <a14:hiddenLine xmlns="" xmlns:a14="http://schemas.microsoft.com/office/drawing/2010/main" w="9525">
                     <a:solidFill>
                       <a:srgbClr val="000000"/>
                     </a:solidFill>
@@ -10068,7 +10075,7 @@
               </a:ln>
               <a:extLst>
                 <a:ext uri="{91240B29-F687-4f45-9708-019B960494DF}">
-                  <a14:hiddenLine xmlns:a14="http://schemas.microsoft.com/office/drawing/2010/main" xmlns="" w="9525">
+                  <a14:hiddenLine xmlns="" xmlns:a14="http://schemas.microsoft.com/office/drawing/2010/main" w="9525">
                     <a:solidFill>
                       <a:srgbClr val="000000"/>
                     </a:solidFill>
@@ -10158,7 +10165,7 @@
               </a:ln>
               <a:extLst>
                 <a:ext uri="{91240B29-F687-4f45-9708-019B960494DF}">
-                  <a14:hiddenLine xmlns:a14="http://schemas.microsoft.com/office/drawing/2010/main" xmlns="" w="9525">
+                  <a14:hiddenLine xmlns="" xmlns:a14="http://schemas.microsoft.com/office/drawing/2010/main" w="9525">
                     <a:solidFill>
                       <a:srgbClr val="000000"/>
                     </a:solidFill>
@@ -10220,7 +10227,7 @@
               </a:ln>
               <a:extLst>
                 <a:ext uri="{91240B29-F687-4f45-9708-019B960494DF}">
-                  <a14:hiddenLine xmlns:a14="http://schemas.microsoft.com/office/drawing/2010/main" xmlns="" w="9525">
+                  <a14:hiddenLine xmlns="" xmlns:a14="http://schemas.microsoft.com/office/drawing/2010/main" w="9525">
                     <a:solidFill>
                       <a:srgbClr val="000000"/>
                     </a:solidFill>
@@ -10282,7 +10289,7 @@
               </a:ln>
               <a:extLst>
                 <a:ext uri="{91240B29-F687-4f45-9708-019B960494DF}">
-                  <a14:hiddenLine xmlns:a14="http://schemas.microsoft.com/office/drawing/2010/main" xmlns="" w="9525">
+                  <a14:hiddenLine xmlns="" xmlns:a14="http://schemas.microsoft.com/office/drawing/2010/main" w="9525">
                     <a:solidFill>
                       <a:srgbClr val="000000"/>
                     </a:solidFill>
@@ -10372,7 +10379,7 @@
               </a:ln>
               <a:extLst>
                 <a:ext uri="{91240B29-F687-4f45-9708-019B960494DF}">
-                  <a14:hiddenLine xmlns:a14="http://schemas.microsoft.com/office/drawing/2010/main" xmlns="" w="9525">
+                  <a14:hiddenLine xmlns="" xmlns:a14="http://schemas.microsoft.com/office/drawing/2010/main" w="9525">
                     <a:solidFill>
                       <a:srgbClr val="000000"/>
                     </a:solidFill>
@@ -10462,7 +10469,7 @@
               </a:ln>
               <a:extLst>
                 <a:ext uri="{91240B29-F687-4f45-9708-019B960494DF}">
-                  <a14:hiddenLine xmlns:a14="http://schemas.microsoft.com/office/drawing/2010/main" xmlns="" w="9525">
+                  <a14:hiddenLine xmlns="" xmlns:a14="http://schemas.microsoft.com/office/drawing/2010/main" w="9525">
                     <a:solidFill>
                       <a:srgbClr val="000000"/>
                     </a:solidFill>
@@ -10524,7 +10531,7 @@
               </a:ln>
               <a:extLst>
                 <a:ext uri="{91240B29-F687-4f45-9708-019B960494DF}">
-                  <a14:hiddenLine xmlns:a14="http://schemas.microsoft.com/office/drawing/2010/main" xmlns="" w="9525">
+                  <a14:hiddenLine xmlns="" xmlns:a14="http://schemas.microsoft.com/office/drawing/2010/main" w="9525">
                     <a:solidFill>
                       <a:srgbClr val="000000"/>
                     </a:solidFill>
@@ -10634,7 +10641,7 @@
               </a:ln>
               <a:extLst>
                 <a:ext uri="{91240B29-F687-4f45-9708-019B960494DF}">
-                  <a14:hiddenLine xmlns:a14="http://schemas.microsoft.com/office/drawing/2010/main" xmlns="" w="9525">
+                  <a14:hiddenLine xmlns="" xmlns:a14="http://schemas.microsoft.com/office/drawing/2010/main" w="9525">
                     <a:solidFill>
                       <a:srgbClr val="000000"/>
                     </a:solidFill>
@@ -10718,7 +10725,7 @@
               </a:ln>
               <a:extLst>
                 <a:ext uri="{91240B29-F687-4f45-9708-019B960494DF}">
-                  <a14:hiddenLine xmlns:a14="http://schemas.microsoft.com/office/drawing/2010/main" xmlns="" w="9525">
+                  <a14:hiddenLine xmlns="" xmlns:a14="http://schemas.microsoft.com/office/drawing/2010/main" w="9525">
                     <a:solidFill>
                       <a:srgbClr val="000000"/>
                     </a:solidFill>
@@ -10780,7 +10787,7 @@
               </a:ln>
               <a:extLst>
                 <a:ext uri="{91240B29-F687-4f45-9708-019B960494DF}">
-                  <a14:hiddenLine xmlns:a14="http://schemas.microsoft.com/office/drawing/2010/main" xmlns="" w="9525">
+                  <a14:hiddenLine xmlns="" xmlns:a14="http://schemas.microsoft.com/office/drawing/2010/main" w="9525">
                     <a:solidFill>
                       <a:srgbClr val="000000"/>
                     </a:solidFill>
@@ -10842,7 +10849,7 @@
               </a:ln>
               <a:extLst>
                 <a:ext uri="{91240B29-F687-4f45-9708-019B960494DF}">
-                  <a14:hiddenLine xmlns:a14="http://schemas.microsoft.com/office/drawing/2010/main" xmlns="" w="9525">
+                  <a14:hiddenLine xmlns="" xmlns:a14="http://schemas.microsoft.com/office/drawing/2010/main" w="9525">
                     <a:solidFill>
                       <a:srgbClr val="000000"/>
                     </a:solidFill>
@@ -10932,7 +10939,7 @@
               </a:ln>
               <a:extLst>
                 <a:ext uri="{91240B29-F687-4f45-9708-019B960494DF}">
-                  <a14:hiddenLine xmlns:a14="http://schemas.microsoft.com/office/drawing/2010/main" xmlns="" w="9525">
+                  <a14:hiddenLine xmlns="" xmlns:a14="http://schemas.microsoft.com/office/drawing/2010/main" w="9525">
                     <a:solidFill>
                       <a:srgbClr val="000000"/>
                     </a:solidFill>
@@ -10966,7 +10973,7 @@
               </a:ln>
               <a:extLst>
                 <a:ext uri="{91240B29-F687-4f45-9708-019B960494DF}">
-                  <a14:hiddenLine xmlns:a14="http://schemas.microsoft.com/office/drawing/2010/main" xmlns="" w="9525">
+                  <a14:hiddenLine xmlns="" xmlns:a14="http://schemas.microsoft.com/office/drawing/2010/main" w="9525">
                     <a:solidFill>
                       <a:srgbClr val="000000"/>
                     </a:solidFill>
@@ -11031,7 +11038,7 @@
               </a:ln>
               <a:extLst>
                 <a:ext uri="{91240B29-F687-4f45-9708-019B960494DF}">
-                  <a14:hiddenLine xmlns:a14="http://schemas.microsoft.com/office/drawing/2010/main" xmlns="" w="9525">
+                  <a14:hiddenLine xmlns="" xmlns:a14="http://schemas.microsoft.com/office/drawing/2010/main" w="9525">
                     <a:solidFill>
                       <a:srgbClr val="000000"/>
                     </a:solidFill>
@@ -11121,7 +11128,7 @@
               </a:ln>
               <a:extLst>
                 <a:ext uri="{91240B29-F687-4f45-9708-019B960494DF}">
-                  <a14:hiddenLine xmlns:a14="http://schemas.microsoft.com/office/drawing/2010/main" xmlns="" w="9525">
+                  <a14:hiddenLine xmlns="" xmlns:a14="http://schemas.microsoft.com/office/drawing/2010/main" w="9525">
                     <a:solidFill>
                       <a:srgbClr val="000000"/>
                     </a:solidFill>
@@ -11183,7 +11190,7 @@
               </a:ln>
               <a:extLst>
                 <a:ext uri="{91240B29-F687-4f45-9708-019B960494DF}">
-                  <a14:hiddenLine xmlns:a14="http://schemas.microsoft.com/office/drawing/2010/main" xmlns="" w="9525">
+                  <a14:hiddenLine xmlns="" xmlns:a14="http://schemas.microsoft.com/office/drawing/2010/main" w="9525">
                     <a:solidFill>
                       <a:srgbClr val="000000"/>
                     </a:solidFill>
@@ -11273,7 +11280,7 @@
               </a:ln>
               <a:extLst>
                 <a:ext uri="{91240B29-F687-4f45-9708-019B960494DF}">
-                  <a14:hiddenLine xmlns:a14="http://schemas.microsoft.com/office/drawing/2010/main" xmlns="" w="9525">
+                  <a14:hiddenLine xmlns="" xmlns:a14="http://schemas.microsoft.com/office/drawing/2010/main" w="9525">
                     <a:solidFill>
                       <a:srgbClr val="000000"/>
                     </a:solidFill>
@@ -11338,7 +11345,7 @@
               </a:ln>
               <a:extLst>
                 <a:ext uri="{91240B29-F687-4f45-9708-019B960494DF}">
-                  <a14:hiddenLine xmlns:a14="http://schemas.microsoft.com/office/drawing/2010/main" xmlns="" w="9525">
+                  <a14:hiddenLine xmlns="" xmlns:a14="http://schemas.microsoft.com/office/drawing/2010/main" w="9525">
                     <a:solidFill>
                       <a:srgbClr val="000000"/>
                     </a:solidFill>
@@ -11400,7 +11407,7 @@
               </a:ln>
               <a:extLst>
                 <a:ext uri="{91240B29-F687-4f45-9708-019B960494DF}">
-                  <a14:hiddenLine xmlns:a14="http://schemas.microsoft.com/office/drawing/2010/main" xmlns="" w="9525">
+                  <a14:hiddenLine xmlns="" xmlns:a14="http://schemas.microsoft.com/office/drawing/2010/main" w="9525">
                     <a:solidFill>
                       <a:srgbClr val="000000"/>
                     </a:solidFill>
@@ -11490,7 +11497,7 @@
               </a:ln>
               <a:extLst>
                 <a:ext uri="{91240B29-F687-4f45-9708-019B960494DF}">
-                  <a14:hiddenLine xmlns:a14="http://schemas.microsoft.com/office/drawing/2010/main" xmlns="" w="9525">
+                  <a14:hiddenLine xmlns="" xmlns:a14="http://schemas.microsoft.com/office/drawing/2010/main" w="9525">
                     <a:solidFill>
                       <a:srgbClr val="000000"/>
                     </a:solidFill>
@@ -11580,7 +11587,7 @@
               </a:ln>
               <a:extLst>
                 <a:ext uri="{91240B29-F687-4f45-9708-019B960494DF}">
-                  <a14:hiddenLine xmlns:a14="http://schemas.microsoft.com/office/drawing/2010/main" xmlns="" w="9525">
+                  <a14:hiddenLine xmlns="" xmlns:a14="http://schemas.microsoft.com/office/drawing/2010/main" w="9525">
                     <a:solidFill>
                       <a:srgbClr val="000000"/>
                     </a:solidFill>
@@ -11645,7 +11652,7 @@
               </a:ln>
               <a:extLst>
                 <a:ext uri="{91240B29-F687-4f45-9708-019B960494DF}">
-                  <a14:hiddenLine xmlns:a14="http://schemas.microsoft.com/office/drawing/2010/main" xmlns="" w="9525">
+                  <a14:hiddenLine xmlns="" xmlns:a14="http://schemas.microsoft.com/office/drawing/2010/main" w="9525">
                     <a:solidFill>
                       <a:srgbClr val="000000"/>
                     </a:solidFill>
@@ -11765,7 +11772,7 @@
               </a:ln>
               <a:extLst>
                 <a:ext uri="{91240B29-F687-4f45-9708-019B960494DF}">
-                  <a14:hiddenLine xmlns:a14="http://schemas.microsoft.com/office/drawing/2010/main" xmlns="" w="9525">
+                  <a14:hiddenLine xmlns="" xmlns:a14="http://schemas.microsoft.com/office/drawing/2010/main" w="9525">
                     <a:solidFill>
                       <a:srgbClr val="000000"/>
                     </a:solidFill>
@@ -11863,7 +11870,7 @@
               </a:ln>
               <a:extLst>
                 <a:ext uri="{91240B29-F687-4f45-9708-019B960494DF}">
-                  <a14:hiddenLine xmlns:a14="http://schemas.microsoft.com/office/drawing/2010/main" xmlns="" w="9525">
+                  <a14:hiddenLine xmlns="" xmlns:a14="http://schemas.microsoft.com/office/drawing/2010/main" w="9525">
                     <a:solidFill>
                       <a:srgbClr val="000000"/>
                     </a:solidFill>
@@ -11978,7 +11985,7 @@
               </a:ln>
               <a:extLst>
                 <a:ext uri="{91240B29-F687-4f45-9708-019B960494DF}">
-                  <a14:hiddenLine xmlns:a14="http://schemas.microsoft.com/office/drawing/2010/main" xmlns="" w="9525">
+                  <a14:hiddenLine xmlns="" xmlns:a14="http://schemas.microsoft.com/office/drawing/2010/main" w="9525">
                     <a:solidFill>
                       <a:srgbClr val="000000"/>
                     </a:solidFill>
@@ -12068,7 +12075,7 @@
               </a:ln>
               <a:extLst>
                 <a:ext uri="{91240B29-F687-4f45-9708-019B960494DF}">
-                  <a14:hiddenLine xmlns:a14="http://schemas.microsoft.com/office/drawing/2010/main" xmlns="" w="9525">
+                  <a14:hiddenLine xmlns="" xmlns:a14="http://schemas.microsoft.com/office/drawing/2010/main" w="9525">
                     <a:solidFill>
                       <a:srgbClr val="000000"/>
                     </a:solidFill>
@@ -12133,7 +12140,7 @@
               </a:ln>
               <a:extLst>
                 <a:ext uri="{91240B29-F687-4f45-9708-019B960494DF}">
-                  <a14:hiddenLine xmlns:a14="http://schemas.microsoft.com/office/drawing/2010/main" xmlns="" w="9525">
+                  <a14:hiddenLine xmlns="" xmlns:a14="http://schemas.microsoft.com/office/drawing/2010/main" w="9525">
                     <a:solidFill>
                       <a:srgbClr val="000000"/>
                     </a:solidFill>
@@ -12223,7 +12230,7 @@
               </a:ln>
               <a:extLst>
                 <a:ext uri="{91240B29-F687-4f45-9708-019B960494DF}">
-                  <a14:hiddenLine xmlns:a14="http://schemas.microsoft.com/office/drawing/2010/main" xmlns="" w="9525">
+                  <a14:hiddenLine xmlns="" xmlns:a14="http://schemas.microsoft.com/office/drawing/2010/main" w="9525">
                     <a:solidFill>
                       <a:srgbClr val="000000"/>
                     </a:solidFill>
@@ -12291,7 +12298,7 @@
               </a:ln>
               <a:extLst>
                 <a:ext uri="{91240B29-F687-4f45-9708-019B960494DF}">
-                  <a14:hiddenLine xmlns:a14="http://schemas.microsoft.com/office/drawing/2010/main" xmlns="" w="9525">
+                  <a14:hiddenLine xmlns="" xmlns:a14="http://schemas.microsoft.com/office/drawing/2010/main" w="9525">
                     <a:solidFill>
                       <a:srgbClr val="000000"/>
                     </a:solidFill>
@@ -12381,7 +12388,7 @@
               </a:ln>
               <a:extLst>
                 <a:ext uri="{91240B29-F687-4f45-9708-019B960494DF}">
-                  <a14:hiddenLine xmlns:a14="http://schemas.microsoft.com/office/drawing/2010/main" xmlns="" w="9525">
+                  <a14:hiddenLine xmlns="" xmlns:a14="http://schemas.microsoft.com/office/drawing/2010/main" w="9525">
                     <a:solidFill>
                       <a:srgbClr val="000000"/>
                     </a:solidFill>
@@ -12449,7 +12456,7 @@
               </a:ln>
               <a:extLst>
                 <a:ext uri="{91240B29-F687-4f45-9708-019B960494DF}">
-                  <a14:hiddenLine xmlns:a14="http://schemas.microsoft.com/office/drawing/2010/main" xmlns="" w="9525">
+                  <a14:hiddenLine xmlns="" xmlns:a14="http://schemas.microsoft.com/office/drawing/2010/main" w="9525">
                     <a:solidFill>
                       <a:srgbClr val="000000"/>
                     </a:solidFill>
@@ -12539,7 +12546,7 @@
               </a:ln>
               <a:extLst>
                 <a:ext uri="{91240B29-F687-4f45-9708-019B960494DF}">
-                  <a14:hiddenLine xmlns:a14="http://schemas.microsoft.com/office/drawing/2010/main" xmlns="" w="9525">
+                  <a14:hiddenLine xmlns="" xmlns:a14="http://schemas.microsoft.com/office/drawing/2010/main" w="9525">
                     <a:solidFill>
                       <a:srgbClr val="000000"/>
                     </a:solidFill>
@@ -12573,7 +12580,7 @@
               </a:ln>
               <a:extLst>
                 <a:ext uri="{91240B29-F687-4f45-9708-019B960494DF}">
-                  <a14:hiddenLine xmlns:a14="http://schemas.microsoft.com/office/drawing/2010/main" xmlns="" w="9525">
+                  <a14:hiddenLine xmlns="" xmlns:a14="http://schemas.microsoft.com/office/drawing/2010/main" w="9525">
                     <a:solidFill>
                       <a:srgbClr val="000000"/>
                     </a:solidFill>
@@ -12714,7 +12721,7 @@
             <a:fld id="{48A87A34-81AB-432B-8DAE-1953F412C126}" type="datetimeFigureOut">
               <a:rPr lang="en-US" smtClean="0"/>
               <a:pPr/>
-              <a:t>11/29/18</a:t>
+              <a:t>11/29/2018</a:t>
             </a:fld>
             <a:endParaRPr lang="en-US" dirty="0"/>
           </a:p>
@@ -13305,7 +13312,7 @@
             <a:noFill/>
             <a:extLst>
               <a:ext uri="{909E8E84-426E-40dd-AFC4-6F175D3DCCD1}">
-                <a14:hiddenFill xmlns="" xmlns:a16="http://schemas.microsoft.com/office/drawing/2014/main" xmlns:p14="http://schemas.microsoft.com/office/powerpoint/2010/main" xmlns:a14="http://schemas.microsoft.com/office/drawing/2010/main">
+                <a14:hiddenFill xmlns:a14="http://schemas.microsoft.com/office/drawing/2010/main" xmlns:p14="http://schemas.microsoft.com/office/powerpoint/2010/main" xmlns:a16="http://schemas.microsoft.com/office/drawing/2014/main" xmlns="">
                   <a:solidFill>
                     <a:srgbClr val="FFFFFF"/>
                   </a:solidFill>
@@ -15369,6 +15376,269 @@
 </p:sld>
 </file>
 
+<file path=ppt/slides/slide10.xml><?xml version="1.0" encoding="utf-8"?>
+<p:sld xmlns:a="http://schemas.openxmlformats.org/drawingml/2006/main" xmlns:r="http://schemas.openxmlformats.org/officeDocument/2006/relationships" xmlns:p="http://schemas.openxmlformats.org/presentationml/2006/main">
+  <p:cSld>
+    <p:spTree>
+      <p:nvGrpSpPr>
+        <p:cNvPr id="1" name=""/>
+        <p:cNvGrpSpPr/>
+        <p:nvPr/>
+      </p:nvGrpSpPr>
+      <p:grpSpPr>
+        <a:xfrm>
+          <a:off x="0" y="0"/>
+          <a:ext cx="0" cy="0"/>
+          <a:chOff x="0" y="0"/>
+          <a:chExt cx="0" cy="0"/>
+        </a:xfrm>
+      </p:grpSpPr>
+      <p:sp>
+        <p:nvSpPr>
+          <p:cNvPr id="2" name="Title 1">
+            <a:extLst>
+              <a:ext uri="{FF2B5EF4-FFF2-40B4-BE49-F238E27FC236}">
+                <a16:creationId xmlns:a16="http://schemas.microsoft.com/office/drawing/2014/main" id="{92004DCB-42CC-8847-9470-13594B924798}"/>
+              </a:ext>
+            </a:extLst>
+          </p:cNvPr>
+          <p:cNvSpPr>
+            <a:spLocks noGrp="1"/>
+          </p:cNvSpPr>
+          <p:nvPr>
+            <p:ph type="title"/>
+          </p:nvPr>
+        </p:nvSpPr>
+        <p:spPr/>
+        <p:txBody>
+          <a:bodyPr/>
+          <a:lstStyle/>
+          <a:p>
+            <a:r>
+              <a:rPr lang="en-US" dirty="0"/>
+              <a:t>Hours &amp; Roles</a:t>
+            </a:r>
+          </a:p>
+        </p:txBody>
+      </p:sp>
+      <p:sp>
+        <p:nvSpPr>
+          <p:cNvPr id="3" name="Content Placeholder 2">
+            <a:extLst>
+              <a:ext uri="{FF2B5EF4-FFF2-40B4-BE49-F238E27FC236}">
+                <a16:creationId xmlns:a16="http://schemas.microsoft.com/office/drawing/2014/main" id="{187DAFEB-C9E0-434B-99B8-18D0245DB362}"/>
+              </a:ext>
+            </a:extLst>
+          </p:cNvPr>
+          <p:cNvSpPr>
+            <a:spLocks noGrp="1"/>
+          </p:cNvSpPr>
+          <p:nvPr>
+            <p:ph idx="1"/>
+          </p:nvPr>
+        </p:nvSpPr>
+        <p:spPr>
+          <a:xfrm>
+            <a:off x="1141412" y="2249487"/>
+            <a:ext cx="5156149" cy="3541714"/>
+          </a:xfrm>
+        </p:spPr>
+        <p:txBody>
+          <a:bodyPr>
+            <a:normAutofit fontScale="92500" lnSpcReduction="10000"/>
+          </a:bodyPr>
+          <a:lstStyle/>
+          <a:p>
+            <a:r>
+              <a:rPr lang="en-US" dirty="0"/>
+              <a:t>Matt Darby – Git Specialist, Map Designer and Website Engineer</a:t>
+            </a:r>
+          </a:p>
+          <a:p>
+            <a:r>
+              <a:rPr lang="en-US" dirty="0"/>
+              <a:t>Mark DeJarnett – Battle Engineer and Test Designer</a:t>
+            </a:r>
+          </a:p>
+          <a:p>
+            <a:r>
+              <a:rPr lang="en-US" dirty="0"/>
+              <a:t>Cameron Cole – Team Leader and Production Manager</a:t>
+            </a:r>
+          </a:p>
+          <a:p>
+            <a:r>
+              <a:rPr lang="en-US" dirty="0"/>
+              <a:t>Arantxa Rodriguez – Menu and Game Designer/Engineer</a:t>
+            </a:r>
+          </a:p>
+        </p:txBody>
+      </p:sp>
+      <p:sp>
+        <p:nvSpPr>
+          <p:cNvPr id="4" name="TextBox 3">
+            <a:extLst>
+              <a:ext uri="{FF2B5EF4-FFF2-40B4-BE49-F238E27FC236}">
+                <a16:creationId xmlns:a16="http://schemas.microsoft.com/office/drawing/2014/main" id="{20BCCB81-188B-4A49-8AFD-B97F887275CA}"/>
+              </a:ext>
+            </a:extLst>
+          </p:cNvPr>
+          <p:cNvSpPr txBox="1"/>
+          <p:nvPr/>
+        </p:nvSpPr>
+        <p:spPr>
+          <a:xfrm>
+            <a:off x="6695768" y="2413337"/>
+            <a:ext cx="5279922" cy="2031325"/>
+          </a:xfrm>
+          <a:prstGeom prst="rect">
+            <a:avLst/>
+          </a:prstGeom>
+          <a:noFill/>
+        </p:spPr>
+        <p:txBody>
+          <a:bodyPr wrap="square" rtlCol="0">
+            <a:spAutoFit/>
+          </a:bodyPr>
+          <a:lstStyle/>
+          <a:p>
+            <a:pPr algn="ctr"/>
+            <a:r>
+              <a:rPr lang="en-US" dirty="0"/>
+              <a:t>Project Time Card</a:t>
+            </a:r>
+          </a:p>
+          <a:p>
+            <a:endParaRPr lang="en-US" dirty="0"/>
+          </a:p>
+          <a:p>
+            <a:r>
+              <a:rPr lang="en-US" b="1" dirty="0"/>
+              <a:t>Name			Hours		Grade Distribution</a:t>
+            </a:r>
+          </a:p>
+          <a:p>
+            <a:r>
+              <a:rPr lang="en-US" dirty="0"/>
+              <a:t>M. Darby			89				25%</a:t>
+            </a:r>
+          </a:p>
+          <a:p>
+            <a:r>
+              <a:rPr lang="en-US" dirty="0"/>
+              <a:t>M. DeJarnett		89				25%</a:t>
+            </a:r>
+          </a:p>
+          <a:p>
+            <a:r>
+              <a:rPr lang="en-US" dirty="0"/>
+              <a:t>C. Cameron		89				25%</a:t>
+            </a:r>
+          </a:p>
+          <a:p>
+            <a:r>
+              <a:rPr lang="en-US" dirty="0"/>
+              <a:t>A. Rodriguez		89				25%</a:t>
+            </a:r>
+          </a:p>
+        </p:txBody>
+      </p:sp>
+    </p:spTree>
+    <p:extLst>
+      <p:ext uri="{BB962C8B-B14F-4D97-AF65-F5344CB8AC3E}">
+        <p14:creationId xmlns:p14="http://schemas.microsoft.com/office/powerpoint/2010/main" val="3989887475"/>
+      </p:ext>
+    </p:extLst>
+  </p:cSld>
+  <p:clrMapOvr>
+    <a:masterClrMapping/>
+  </p:clrMapOvr>
+</p:sld>
+</file>
+
+<file path=ppt/slides/slide11.xml><?xml version="1.0" encoding="utf-8"?>
+<p:sld xmlns:a="http://schemas.openxmlformats.org/drawingml/2006/main" xmlns:r="http://schemas.openxmlformats.org/officeDocument/2006/relationships" xmlns:p="http://schemas.openxmlformats.org/presentationml/2006/main">
+  <p:cSld>
+    <p:spTree>
+      <p:nvGrpSpPr>
+        <p:cNvPr id="1" name=""/>
+        <p:cNvGrpSpPr/>
+        <p:nvPr/>
+      </p:nvGrpSpPr>
+      <p:grpSpPr>
+        <a:xfrm>
+          <a:off x="0" y="0"/>
+          <a:ext cx="0" cy="0"/>
+          <a:chOff x="0" y="0"/>
+          <a:chExt cx="0" cy="0"/>
+        </a:xfrm>
+      </p:grpSpPr>
+      <p:sp>
+        <p:nvSpPr>
+          <p:cNvPr id="2" name="Title 1">
+            <a:extLst>
+              <a:ext uri="{FF2B5EF4-FFF2-40B4-BE49-F238E27FC236}">
+                <a16:creationId xmlns:a16="http://schemas.microsoft.com/office/drawing/2014/main" id="{EC8E10D1-F1FD-4EA9-BB14-E3DA067848EA}"/>
+              </a:ext>
+            </a:extLst>
+          </p:cNvPr>
+          <p:cNvSpPr>
+            <a:spLocks noGrp="1"/>
+          </p:cNvSpPr>
+          <p:nvPr>
+            <p:ph type="ctrTitle"/>
+          </p:nvPr>
+        </p:nvSpPr>
+        <p:spPr/>
+        <p:txBody>
+          <a:bodyPr/>
+          <a:lstStyle/>
+          <a:p>
+            <a:r>
+              <a:rPr lang="en-US" dirty="0"/>
+              <a:t>Questions?</a:t>
+            </a:r>
+          </a:p>
+        </p:txBody>
+      </p:sp>
+      <p:sp>
+        <p:nvSpPr>
+          <p:cNvPr id="3" name="Subtitle 2">
+            <a:extLst>
+              <a:ext uri="{FF2B5EF4-FFF2-40B4-BE49-F238E27FC236}">
+                <a16:creationId xmlns:a16="http://schemas.microsoft.com/office/drawing/2014/main" id="{25CF7D02-7D43-45D3-AA96-6191593406AE}"/>
+              </a:ext>
+            </a:extLst>
+          </p:cNvPr>
+          <p:cNvSpPr>
+            <a:spLocks noGrp="1"/>
+          </p:cNvSpPr>
+          <p:nvPr>
+            <p:ph type="subTitle" idx="1"/>
+          </p:nvPr>
+        </p:nvSpPr>
+        <p:spPr/>
+        <p:txBody>
+          <a:bodyPr/>
+          <a:lstStyle/>
+          <a:p>
+            <a:endParaRPr lang="en-US"/>
+          </a:p>
+        </p:txBody>
+      </p:sp>
+    </p:spTree>
+    <p:extLst>
+      <p:ext uri="{BB962C8B-B14F-4D97-AF65-F5344CB8AC3E}">
+        <p14:creationId xmlns:p14="http://schemas.microsoft.com/office/powerpoint/2010/main" val="1803205420"/>
+      </p:ext>
+    </p:extLst>
+  </p:cSld>
+  <p:clrMapOvr>
+    <a:masterClrMapping/>
+  </p:clrMapOvr>
+</p:sld>
+</file>
+
 <file path=ppt/slides/slide2.xml><?xml version="1.0" encoding="utf-8"?>
 <p:sld xmlns:a="http://schemas.openxmlformats.org/drawingml/2006/main" xmlns:r="http://schemas.openxmlformats.org/officeDocument/2006/relationships" xmlns:p="http://schemas.openxmlformats.org/presentationml/2006/main">
   <p:cSld>
@@ -15524,12 +15794,6 @@
             <a:r>
               <a:rPr lang="en-US" dirty="0"/>
               <a:t>Battle system</a:t>
-            </a:r>
-          </a:p>
-          <a:p>
-            <a:r>
-              <a:rPr lang="en-US" dirty="0"/>
-              <a:t>Inventory and skills menu</a:t>
             </a:r>
           </a:p>
           <a:p>
@@ -15764,6 +16028,36 @@
           </a:p>
         </p:txBody>
       </p:sp>
+      <p:pic>
+        <p:nvPicPr>
+          <p:cNvPr id="4" name="Picture 3">
+            <a:extLst>
+              <a:ext uri="{FF2B5EF4-FFF2-40B4-BE49-F238E27FC236}">
+                <a16:creationId xmlns:a16="http://schemas.microsoft.com/office/drawing/2014/main" id="{A9EFE580-129B-44B9-88B8-7BEDBC033133}"/>
+              </a:ext>
+            </a:extLst>
+          </p:cNvPr>
+          <p:cNvPicPr>
+            <a:picLocks noChangeAspect="1"/>
+          </p:cNvPicPr>
+          <p:nvPr/>
+        </p:nvPicPr>
+        <p:blipFill>
+          <a:blip r:embed="rId3"/>
+          <a:stretch>
+            <a:fillRect/>
+          </a:stretch>
+        </p:blipFill>
+        <p:spPr>
+          <a:xfrm>
+            <a:off x="4416152" y="1750741"/>
+            <a:ext cx="6631259" cy="3730083"/>
+          </a:xfrm>
+          <a:prstGeom prst="rect">
+            <a:avLst/>
+          </a:prstGeom>
+        </p:spPr>
+      </p:pic>
     </p:spTree>
     <p:extLst>
       <p:ext uri="{BB962C8B-B14F-4D97-AF65-F5344CB8AC3E}">
@@ -15888,6 +16182,36 @@
           </a:p>
         </p:txBody>
       </p:sp>
+      <p:pic>
+        <p:nvPicPr>
+          <p:cNvPr id="4" name="Picture 3">
+            <a:extLst>
+              <a:ext uri="{FF2B5EF4-FFF2-40B4-BE49-F238E27FC236}">
+                <a16:creationId xmlns:a16="http://schemas.microsoft.com/office/drawing/2014/main" id="{37A8F3FA-ABD8-4BC9-88E5-B8C0027CBA45}"/>
+              </a:ext>
+            </a:extLst>
+          </p:cNvPr>
+          <p:cNvPicPr>
+            <a:picLocks noChangeAspect="1"/>
+          </p:cNvPicPr>
+          <p:nvPr/>
+        </p:nvPicPr>
+        <p:blipFill>
+          <a:blip r:embed="rId3"/>
+          <a:stretch>
+            <a:fillRect/>
+          </a:stretch>
+        </p:blipFill>
+        <p:spPr>
+          <a:xfrm>
+            <a:off x="4710846" y="1641482"/>
+            <a:ext cx="6438979" cy="4598000"/>
+          </a:xfrm>
+          <a:prstGeom prst="rect">
+            <a:avLst/>
+          </a:prstGeom>
+        </p:spPr>
+      </p:pic>
     </p:spTree>
     <p:extLst>
       <p:ext uri="{BB962C8B-B14F-4D97-AF65-F5344CB8AC3E}">
@@ -16010,7 +16334,7 @@
           <p:cNvPr id="2" name="Title 1">
             <a:extLst>
               <a:ext uri="{FF2B5EF4-FFF2-40B4-BE49-F238E27FC236}">
-                <a16:creationId xmlns:a16="http://schemas.microsoft.com/office/drawing/2014/main" id="{92004DCB-42CC-8847-9470-13594B924798}"/>
+                <a16:creationId xmlns:a16="http://schemas.microsoft.com/office/drawing/2014/main" id="{F8838DB8-9369-4998-9E09-8AB03B47ABBC}"/>
               </a:ext>
             </a:extLst>
           </p:cNvPr>
@@ -16028,7 +16352,7 @@
           <a:p>
             <a:r>
               <a:rPr lang="en-US" dirty="0"/>
-              <a:t>Hours &amp; Roles</a:t>
+              <a:t>Git commit count</a:t>
             </a:r>
           </a:p>
         </p:txBody>
@@ -16038,7 +16362,7 @@
           <p:cNvPr id="3" name="Content Placeholder 2">
             <a:extLst>
               <a:ext uri="{FF2B5EF4-FFF2-40B4-BE49-F238E27FC236}">
-                <a16:creationId xmlns:a16="http://schemas.microsoft.com/office/drawing/2014/main" id="{187DAFEB-C9E0-434B-99B8-18D0245DB362}"/>
+                <a16:creationId xmlns:a16="http://schemas.microsoft.com/office/drawing/2014/main" id="{9F033FF8-F65F-4676-911C-5A6CF4BF77F4}"/>
               </a:ext>
             </a:extLst>
           </p:cNvPr>
@@ -16049,116 +16373,88 @@
             <p:ph idx="1"/>
           </p:nvPr>
         </p:nvSpPr>
-        <p:spPr>
-          <a:xfrm>
-            <a:off x="1141412" y="2249487"/>
-            <a:ext cx="5156149" cy="3541714"/>
-          </a:xfrm>
-        </p:spPr>
+        <p:spPr/>
         <p:txBody>
-          <a:bodyPr>
-            <a:normAutofit fontScale="92500" lnSpcReduction="10000"/>
-          </a:bodyPr>
+          <a:bodyPr/>
           <a:lstStyle/>
           <a:p>
             <a:r>
               <a:rPr lang="en-US" dirty="0"/>
-              <a:t>Matt Darby – Git Specialist, Map Designer and Website Engineer</a:t>
+              <a:t>On website for more detail</a:t>
             </a:r>
           </a:p>
           <a:p>
             <a:r>
               <a:rPr lang="en-US" dirty="0"/>
-              <a:t>Mark DeJarnett – Battle Engineer and Test Designer</a:t>
-            </a:r>
-          </a:p>
-          <a:p>
-            <a:r>
-              <a:rPr lang="en-US" dirty="0"/>
-              <a:t>Cameron Cole – Team Leader and Production Manager</a:t>
-            </a:r>
-          </a:p>
-          <a:p>
-            <a:r>
-              <a:rPr lang="en-US" dirty="0"/>
-              <a:t>Arantxa Rodriguez – Menu and Game Designer/Engineer</a:t>
+              <a:t>Total of around 250 commits!</a:t>
             </a:r>
           </a:p>
         </p:txBody>
       </p:sp>
-      <p:sp>
-        <p:nvSpPr>
-          <p:cNvPr id="4" name="TextBox 3">
+      <p:pic>
+        <p:nvPicPr>
+          <p:cNvPr id="4" name="Picture 3">
             <a:extLst>
               <a:ext uri="{FF2B5EF4-FFF2-40B4-BE49-F238E27FC236}">
-                <a16:creationId xmlns:a16="http://schemas.microsoft.com/office/drawing/2014/main" id="{20BCCB81-188B-4A49-8AFD-B97F887275CA}"/>
+                <a16:creationId xmlns:a16="http://schemas.microsoft.com/office/drawing/2014/main" id="{1E9C32A4-3E41-483A-8DA6-A52EEF19E797}"/>
               </a:ext>
             </a:extLst>
           </p:cNvPr>
-          <p:cNvSpPr txBox="1"/>
+          <p:cNvPicPr>
+            <a:picLocks noChangeAspect="1"/>
+          </p:cNvPicPr>
           <p:nvPr/>
-        </p:nvSpPr>
+        </p:nvPicPr>
+        <p:blipFill>
+          <a:blip r:embed="rId2"/>
+          <a:stretch>
+            <a:fillRect/>
+          </a:stretch>
+        </p:blipFill>
         <p:spPr>
           <a:xfrm>
-            <a:off x="6695768" y="2413337"/>
-            <a:ext cx="5279922" cy="2031325"/>
+            <a:off x="5647121" y="2097088"/>
+            <a:ext cx="5305700" cy="2366342"/>
           </a:xfrm>
           <a:prstGeom prst="rect">
             <a:avLst/>
           </a:prstGeom>
-          <a:noFill/>
         </p:spPr>
-        <p:txBody>
-          <a:bodyPr wrap="square" rtlCol="0">
-            <a:spAutoFit/>
-          </a:bodyPr>
-          <a:lstStyle/>
-          <a:p>
-            <a:pPr algn="ctr"/>
-            <a:r>
-              <a:rPr lang="en-US" dirty="0"/>
-              <a:t>Project Time Card</a:t>
-            </a:r>
-          </a:p>
-          <a:p>
-            <a:endParaRPr lang="en-US" dirty="0"/>
-          </a:p>
-          <a:p>
-            <a:r>
-              <a:rPr lang="en-US" b="1" dirty="0"/>
-              <a:t>Name			Hours		Grade Distribution</a:t>
-            </a:r>
-          </a:p>
-          <a:p>
-            <a:r>
-              <a:rPr lang="en-US" dirty="0"/>
-              <a:t>M. Darby			89				25%</a:t>
-            </a:r>
-          </a:p>
-          <a:p>
-            <a:r>
-              <a:rPr lang="en-US" dirty="0"/>
-              <a:t>M. DeJarnett		89				25%</a:t>
-            </a:r>
-          </a:p>
-          <a:p>
-            <a:r>
-              <a:rPr lang="en-US" dirty="0"/>
-              <a:t>C. Cameron		89				25%</a:t>
-            </a:r>
-          </a:p>
-          <a:p>
-            <a:r>
-              <a:rPr lang="en-US" dirty="0"/>
-              <a:t>A. Rodriguez		89				25%</a:t>
-            </a:r>
-          </a:p>
-        </p:txBody>
-      </p:sp>
+      </p:pic>
+      <p:pic>
+        <p:nvPicPr>
+          <p:cNvPr id="5" name="Picture 4">
+            <a:extLst>
+              <a:ext uri="{FF2B5EF4-FFF2-40B4-BE49-F238E27FC236}">
+                <a16:creationId xmlns:a16="http://schemas.microsoft.com/office/drawing/2014/main" id="{362DBDA9-512A-48CC-AC0B-A4EE759DC9A2}"/>
+              </a:ext>
+            </a:extLst>
+          </p:cNvPr>
+          <p:cNvPicPr>
+            <a:picLocks noChangeAspect="1"/>
+          </p:cNvPicPr>
+          <p:nvPr/>
+        </p:nvPicPr>
+        <p:blipFill>
+          <a:blip r:embed="rId3"/>
+          <a:stretch>
+            <a:fillRect/>
+          </a:stretch>
+        </p:blipFill>
+        <p:spPr>
+          <a:xfrm>
+            <a:off x="1494262" y="3316285"/>
+            <a:ext cx="3242681" cy="3242681"/>
+          </a:xfrm>
+          <a:prstGeom prst="rect">
+            <a:avLst/>
+          </a:prstGeom>
+        </p:spPr>
+      </p:pic>
     </p:spTree>
     <p:extLst>
       <p:ext uri="{BB962C8B-B14F-4D97-AF65-F5344CB8AC3E}">
-        <p14:creationId xmlns:p14="http://schemas.microsoft.com/office/powerpoint/2010/main" val="3989887475"/>
+        <p14:creationId xmlns:p14="http://schemas.microsoft.com/office/powerpoint/2010/main" val="3490507562"/>
       </p:ext>
     </p:extLst>
   </p:cSld>
@@ -16190,7 +16486,7 @@
           <p:cNvPr id="2" name="Title 1">
             <a:extLst>
               <a:ext uri="{FF2B5EF4-FFF2-40B4-BE49-F238E27FC236}">
-                <a16:creationId xmlns:a16="http://schemas.microsoft.com/office/drawing/2014/main" id="{D4B61534-1332-A842-B529-2A67BDC1A015}"/>
+                <a16:creationId xmlns:a16="http://schemas.microsoft.com/office/drawing/2014/main" id="{E633A9B7-7D18-43AB-A799-5A378B0CA8EF}"/>
               </a:ext>
             </a:extLst>
           </p:cNvPr>
@@ -16201,61 +16497,52 @@
             <p:ph type="title"/>
           </p:nvPr>
         </p:nvSpPr>
-        <p:spPr>
-          <a:xfrm>
-            <a:off x="1143001" y="766001"/>
-            <a:ext cx="9905998" cy="4838385"/>
-          </a:xfrm>
-        </p:spPr>
+        <p:spPr/>
         <p:txBody>
-          <a:bodyPr>
-            <a:normAutofit/>
-          </a:bodyPr>
+          <a:bodyPr/>
           <a:lstStyle/>
           <a:p>
-            <a:pPr algn="ctr"/>
             <a:r>
-              <a:rPr lang="en-US" sz="4800" dirty="0"/>
-              <a:t>Questions/Suggestions?</a:t>
+              <a:rPr lang="en-US" dirty="0" err="1"/>
+              <a:t>SpotBugs</a:t>
             </a:r>
+            <a:endParaRPr lang="en-US" dirty="0"/>
           </a:p>
         </p:txBody>
       </p:sp>
-      <p:sp>
-        <p:nvSpPr>
-          <p:cNvPr id="3" name="Content Placeholder 2">
+      <p:pic>
+        <p:nvPicPr>
+          <p:cNvPr id="5" name="Content Placeholder 4" descr="SpotBugs result after running">
             <a:extLst>
               <a:ext uri="{FF2B5EF4-FFF2-40B4-BE49-F238E27FC236}">
-                <a16:creationId xmlns:a16="http://schemas.microsoft.com/office/drawing/2014/main" id="{143673FA-2A88-FB49-953F-013B163A76DB}"/>
+                <a16:creationId xmlns:a16="http://schemas.microsoft.com/office/drawing/2014/main" id="{E64FFCF6-649B-4339-A434-13C543CA130C}"/>
               </a:ext>
             </a:extLst>
           </p:cNvPr>
-          <p:cNvSpPr>
-            <a:spLocks noGrp="1"/>
-          </p:cNvSpPr>
+          <p:cNvPicPr>
+            <a:picLocks noGrp="1" noChangeAspect="1"/>
+          </p:cNvPicPr>
           <p:nvPr>
             <p:ph idx="1"/>
           </p:nvPr>
-        </p:nvSpPr>
+        </p:nvPicPr>
+        <p:blipFill>
+          <a:blip r:embed="rId3"/>
+          <a:stretch>
+            <a:fillRect/>
+          </a:stretch>
+        </p:blipFill>
         <p:spPr>
           <a:xfrm>
-            <a:off x="1327356" y="1658143"/>
-            <a:ext cx="9905999" cy="3541714"/>
+            <a:off x="728152" y="1661531"/>
+            <a:ext cx="10319259" cy="4917687"/>
           </a:xfrm>
         </p:spPr>
-        <p:txBody>
-          <a:bodyPr/>
-          <a:lstStyle/>
-          <a:p>
-            <a:pPr algn="ctr"/>
-            <a:endParaRPr lang="en-US" dirty="0"/>
-          </a:p>
-        </p:txBody>
-      </p:sp>
+      </p:pic>
     </p:spTree>
     <p:extLst>
       <p:ext uri="{BB962C8B-B14F-4D97-AF65-F5344CB8AC3E}">
-        <p14:creationId xmlns:p14="http://schemas.microsoft.com/office/powerpoint/2010/main" val="2807833096"/>
+        <p14:creationId xmlns:p14="http://schemas.microsoft.com/office/powerpoint/2010/main" val="1645487271"/>
       </p:ext>
     </p:extLst>
   </p:cSld>

--- a/Iteration-3/Iteration 3 Presentation.pptx
+++ b/Iteration-3/Iteration 3 Presentation.pptx
@@ -207,7 +207,7 @@
           <a:p>
             <a:fld id="{7A41334E-A61B-8C40-95BC-4826958890B5}" type="datetimeFigureOut">
               <a:rPr lang="en-US" smtClean="0"/>
-              <a:t>11/29/2018</a:t>
+              <a:t>11/29/18</a:t>
             </a:fld>
             <a:endParaRPr lang="en-US"/>
           </a:p>
@@ -854,7 +854,7 @@
           <a:noFill/>
           <a:extLst>
             <a:ext uri="{909E8E84-426E-40dd-AFC4-6F175D3DCCD1}">
-              <a14:hiddenFill xmlns="" xmlns:a14="http://schemas.microsoft.com/office/drawing/2010/main">
+              <a14:hiddenFill xmlns:a14="http://schemas.microsoft.com/office/drawing/2010/main" xmlns="">
                 <a:solidFill>
                   <a:srgbClr val="FFFFFF"/>
                 </a:solidFill>
@@ -914,7 +914,7 @@
             </a:ln>
             <a:extLst>
               <a:ext uri="{91240B29-F687-4f45-9708-019B960494DF}">
-                <a14:hiddenLine xmlns="" xmlns:a14="http://schemas.microsoft.com/office/drawing/2010/main" w="9525">
+                <a14:hiddenLine xmlns:a14="http://schemas.microsoft.com/office/drawing/2010/main" xmlns="" w="9525">
                   <a:solidFill>
                     <a:srgbClr val="000000"/>
                   </a:solidFill>
@@ -1004,7 +1004,7 @@
             </a:ln>
             <a:extLst>
               <a:ext uri="{91240B29-F687-4f45-9708-019B960494DF}">
-                <a14:hiddenLine xmlns="" xmlns:a14="http://schemas.microsoft.com/office/drawing/2010/main" w="9525">
+                <a14:hiddenLine xmlns:a14="http://schemas.microsoft.com/office/drawing/2010/main" xmlns="" w="9525">
                   <a:solidFill>
                     <a:srgbClr val="000000"/>
                   </a:solidFill>
@@ -1094,7 +1094,7 @@
             </a:ln>
             <a:extLst>
               <a:ext uri="{91240B29-F687-4f45-9708-019B960494DF}">
-                <a14:hiddenLine xmlns="" xmlns:a14="http://schemas.microsoft.com/office/drawing/2010/main" w="9525">
+                <a14:hiddenLine xmlns:a14="http://schemas.microsoft.com/office/drawing/2010/main" xmlns="" w="9525">
                   <a:solidFill>
                     <a:srgbClr val="000000"/>
                   </a:solidFill>
@@ -1128,7 +1128,7 @@
             </a:ln>
             <a:extLst>
               <a:ext uri="{91240B29-F687-4f45-9708-019B960494DF}">
-                <a14:hiddenLine xmlns="" xmlns:a14="http://schemas.microsoft.com/office/drawing/2010/main" w="9525">
+                <a14:hiddenLine xmlns:a14="http://schemas.microsoft.com/office/drawing/2010/main" xmlns="" w="9525">
                   <a:solidFill>
                     <a:srgbClr val="000000"/>
                   </a:solidFill>
@@ -1218,7 +1218,7 @@
             </a:ln>
             <a:extLst>
               <a:ext uri="{91240B29-F687-4f45-9708-019B960494DF}">
-                <a14:hiddenLine xmlns="" xmlns:a14="http://schemas.microsoft.com/office/drawing/2010/main" w="9525">
+                <a14:hiddenLine xmlns:a14="http://schemas.microsoft.com/office/drawing/2010/main" xmlns="" w="9525">
                   <a:solidFill>
                     <a:srgbClr val="000000"/>
                   </a:solidFill>
@@ -1280,7 +1280,7 @@
             </a:ln>
             <a:extLst>
               <a:ext uri="{91240B29-F687-4f45-9708-019B960494DF}">
-                <a14:hiddenLine xmlns="" xmlns:a14="http://schemas.microsoft.com/office/drawing/2010/main" w="9525">
+                <a14:hiddenLine xmlns:a14="http://schemas.microsoft.com/office/drawing/2010/main" xmlns="" w="9525">
                   <a:solidFill>
                     <a:srgbClr val="000000"/>
                   </a:solidFill>
@@ -1342,7 +1342,7 @@
             </a:ln>
             <a:extLst>
               <a:ext uri="{91240B29-F687-4f45-9708-019B960494DF}">
-                <a14:hiddenLine xmlns="" xmlns:a14="http://schemas.microsoft.com/office/drawing/2010/main" w="9525">
+                <a14:hiddenLine xmlns:a14="http://schemas.microsoft.com/office/drawing/2010/main" xmlns="" w="9525">
                   <a:solidFill>
                     <a:srgbClr val="000000"/>
                   </a:solidFill>
@@ -1432,7 +1432,7 @@
             </a:ln>
             <a:extLst>
               <a:ext uri="{91240B29-F687-4f45-9708-019B960494DF}">
-                <a14:hiddenLine xmlns="" xmlns:a14="http://schemas.microsoft.com/office/drawing/2010/main" w="9525">
+                <a14:hiddenLine xmlns:a14="http://schemas.microsoft.com/office/drawing/2010/main" xmlns="" w="9525">
                   <a:solidFill>
                     <a:srgbClr val="000000"/>
                   </a:solidFill>
@@ -1494,7 +1494,7 @@
             </a:ln>
             <a:extLst>
               <a:ext uri="{91240B29-F687-4f45-9708-019B960494DF}">
-                <a14:hiddenLine xmlns="" xmlns:a14="http://schemas.microsoft.com/office/drawing/2010/main" w="9525">
+                <a14:hiddenLine xmlns:a14="http://schemas.microsoft.com/office/drawing/2010/main" xmlns="" w="9525">
                   <a:solidFill>
                     <a:srgbClr val="000000"/>
                   </a:solidFill>
@@ -1556,7 +1556,7 @@
             </a:ln>
             <a:extLst>
               <a:ext uri="{91240B29-F687-4f45-9708-019B960494DF}">
-                <a14:hiddenLine xmlns="" xmlns:a14="http://schemas.microsoft.com/office/drawing/2010/main" w="9525">
+                <a14:hiddenLine xmlns:a14="http://schemas.microsoft.com/office/drawing/2010/main" xmlns="" w="9525">
                   <a:solidFill>
                     <a:srgbClr val="000000"/>
                   </a:solidFill>
@@ -1646,7 +1646,7 @@
             </a:ln>
             <a:extLst>
               <a:ext uri="{91240B29-F687-4f45-9708-019B960494DF}">
-                <a14:hiddenLine xmlns="" xmlns:a14="http://schemas.microsoft.com/office/drawing/2010/main" w="9525">
+                <a14:hiddenLine xmlns:a14="http://schemas.microsoft.com/office/drawing/2010/main" xmlns="" w="9525">
                   <a:solidFill>
                     <a:srgbClr val="000000"/>
                   </a:solidFill>
@@ -1736,7 +1736,7 @@
             </a:ln>
             <a:extLst>
               <a:ext uri="{91240B29-F687-4f45-9708-019B960494DF}">
-                <a14:hiddenLine xmlns="" xmlns:a14="http://schemas.microsoft.com/office/drawing/2010/main" w="9525">
+                <a14:hiddenLine xmlns:a14="http://schemas.microsoft.com/office/drawing/2010/main" xmlns="" w="9525">
                   <a:solidFill>
                     <a:srgbClr val="000000"/>
                   </a:solidFill>
@@ -1798,7 +1798,7 @@
             </a:ln>
             <a:extLst>
               <a:ext uri="{91240B29-F687-4f45-9708-019B960494DF}">
-                <a14:hiddenLine xmlns="" xmlns:a14="http://schemas.microsoft.com/office/drawing/2010/main" w="9525">
+                <a14:hiddenLine xmlns:a14="http://schemas.microsoft.com/office/drawing/2010/main" xmlns="" w="9525">
                   <a:solidFill>
                     <a:srgbClr val="000000"/>
                   </a:solidFill>
@@ -1908,7 +1908,7 @@
             </a:ln>
             <a:extLst>
               <a:ext uri="{91240B29-F687-4f45-9708-019B960494DF}">
-                <a14:hiddenLine xmlns="" xmlns:a14="http://schemas.microsoft.com/office/drawing/2010/main" w="9525">
+                <a14:hiddenLine xmlns:a14="http://schemas.microsoft.com/office/drawing/2010/main" xmlns="" w="9525">
                   <a:solidFill>
                     <a:srgbClr val="000000"/>
                   </a:solidFill>
@@ -1970,7 +1970,7 @@
             </a:ln>
             <a:extLst>
               <a:ext uri="{91240B29-F687-4f45-9708-019B960494DF}">
-                <a14:hiddenLine xmlns="" xmlns:a14="http://schemas.microsoft.com/office/drawing/2010/main" w="9525">
+                <a14:hiddenLine xmlns:a14="http://schemas.microsoft.com/office/drawing/2010/main" xmlns="" w="9525">
                   <a:solidFill>
                     <a:srgbClr val="000000"/>
                   </a:solidFill>
@@ -2060,7 +2060,7 @@
             </a:ln>
             <a:extLst>
               <a:ext uri="{91240B29-F687-4f45-9708-019B960494DF}">
-                <a14:hiddenLine xmlns="" xmlns:a14="http://schemas.microsoft.com/office/drawing/2010/main" w="9525">
+                <a14:hiddenLine xmlns:a14="http://schemas.microsoft.com/office/drawing/2010/main" xmlns="" w="9525">
                   <a:solidFill>
                     <a:srgbClr val="000000"/>
                   </a:solidFill>
@@ -2150,7 +2150,7 @@
             </a:ln>
             <a:extLst>
               <a:ext uri="{91240B29-F687-4f45-9708-019B960494DF}">
-                <a14:hiddenLine xmlns="" xmlns:a14="http://schemas.microsoft.com/office/drawing/2010/main" w="9525">
+                <a14:hiddenLine xmlns:a14="http://schemas.microsoft.com/office/drawing/2010/main" xmlns="" w="9525">
                   <a:solidFill>
                     <a:srgbClr val="000000"/>
                   </a:solidFill>
@@ -2212,7 +2212,7 @@
             </a:ln>
             <a:extLst>
               <a:ext uri="{91240B29-F687-4f45-9708-019B960494DF}">
-                <a14:hiddenLine xmlns="" xmlns:a14="http://schemas.microsoft.com/office/drawing/2010/main" w="9525">
+                <a14:hiddenLine xmlns:a14="http://schemas.microsoft.com/office/drawing/2010/main" xmlns="" w="9525">
                   <a:solidFill>
                     <a:srgbClr val="000000"/>
                   </a:solidFill>
@@ -2302,7 +2302,7 @@
             </a:ln>
             <a:extLst>
               <a:ext uri="{91240B29-F687-4f45-9708-019B960494DF}">
-                <a14:hiddenLine xmlns="" xmlns:a14="http://schemas.microsoft.com/office/drawing/2010/main" w="9525">
+                <a14:hiddenLine xmlns:a14="http://schemas.microsoft.com/office/drawing/2010/main" xmlns="" w="9525">
                   <a:solidFill>
                     <a:srgbClr val="000000"/>
                   </a:solidFill>
@@ -2392,7 +2392,7 @@
             </a:ln>
             <a:extLst>
               <a:ext uri="{91240B29-F687-4f45-9708-019B960494DF}">
-                <a14:hiddenLine xmlns="" xmlns:a14="http://schemas.microsoft.com/office/drawing/2010/main" w="9525">
+                <a14:hiddenLine xmlns:a14="http://schemas.microsoft.com/office/drawing/2010/main" xmlns="" w="9525">
                   <a:solidFill>
                     <a:srgbClr val="000000"/>
                   </a:solidFill>
@@ -2448,7 +2448,7 @@
             </a:ln>
             <a:extLst>
               <a:ext uri="{91240B29-F687-4f45-9708-019B960494DF}">
-                <a14:hiddenLine xmlns="" xmlns:a14="http://schemas.microsoft.com/office/drawing/2010/main" w="9525">
+                <a14:hiddenLine xmlns:a14="http://schemas.microsoft.com/office/drawing/2010/main" xmlns="" w="9525">
                   <a:solidFill>
                     <a:srgbClr val="000000"/>
                   </a:solidFill>
@@ -2538,7 +2538,7 @@
             </a:ln>
             <a:extLst>
               <a:ext uri="{91240B29-F687-4f45-9708-019B960494DF}">
-                <a14:hiddenLine xmlns="" xmlns:a14="http://schemas.microsoft.com/office/drawing/2010/main" w="9525">
+                <a14:hiddenLine xmlns:a14="http://schemas.microsoft.com/office/drawing/2010/main" xmlns="" w="9525">
                   <a:solidFill>
                     <a:srgbClr val="000000"/>
                   </a:solidFill>
@@ -2594,7 +2594,7 @@
             </a:ln>
             <a:extLst>
               <a:ext uri="{91240B29-F687-4f45-9708-019B960494DF}">
-                <a14:hiddenLine xmlns="" xmlns:a14="http://schemas.microsoft.com/office/drawing/2010/main" w="9525">
+                <a14:hiddenLine xmlns:a14="http://schemas.microsoft.com/office/drawing/2010/main" xmlns="" w="9525">
                   <a:solidFill>
                     <a:srgbClr val="000000"/>
                   </a:solidFill>
@@ -2684,7 +2684,7 @@
             </a:ln>
             <a:extLst>
               <a:ext uri="{91240B29-F687-4f45-9708-019B960494DF}">
-                <a14:hiddenLine xmlns="" xmlns:a14="http://schemas.microsoft.com/office/drawing/2010/main" w="9525">
+                <a14:hiddenLine xmlns:a14="http://schemas.microsoft.com/office/drawing/2010/main" xmlns="" w="9525">
                   <a:solidFill>
                     <a:srgbClr val="000000"/>
                   </a:solidFill>
@@ -2752,7 +2752,7 @@
             </a:ln>
             <a:extLst>
               <a:ext uri="{91240B29-F687-4f45-9708-019B960494DF}">
-                <a14:hiddenLine xmlns="" xmlns:a14="http://schemas.microsoft.com/office/drawing/2010/main" w="9525">
+                <a14:hiddenLine xmlns:a14="http://schemas.microsoft.com/office/drawing/2010/main" xmlns="" w="9525">
                   <a:solidFill>
                     <a:srgbClr val="000000"/>
                   </a:solidFill>
@@ -2842,7 +2842,7 @@
             </a:ln>
             <a:extLst>
               <a:ext uri="{91240B29-F687-4f45-9708-019B960494DF}">
-                <a14:hiddenLine xmlns="" xmlns:a14="http://schemas.microsoft.com/office/drawing/2010/main" w="9525">
+                <a14:hiddenLine xmlns:a14="http://schemas.microsoft.com/office/drawing/2010/main" xmlns="" w="9525">
                   <a:solidFill>
                     <a:srgbClr val="000000"/>
                   </a:solidFill>
@@ -2910,7 +2910,7 @@
             </a:ln>
             <a:extLst>
               <a:ext uri="{91240B29-F687-4f45-9708-019B960494DF}">
-                <a14:hiddenLine xmlns="" xmlns:a14="http://schemas.microsoft.com/office/drawing/2010/main" w="9525">
+                <a14:hiddenLine xmlns:a14="http://schemas.microsoft.com/office/drawing/2010/main" xmlns="" w="9525">
                   <a:solidFill>
                     <a:srgbClr val="000000"/>
                   </a:solidFill>
@@ -3000,7 +3000,7 @@
             </a:ln>
             <a:extLst>
               <a:ext uri="{91240B29-F687-4f45-9708-019B960494DF}">
-                <a14:hiddenLine xmlns="" xmlns:a14="http://schemas.microsoft.com/office/drawing/2010/main" w="9525">
+                <a14:hiddenLine xmlns:a14="http://schemas.microsoft.com/office/drawing/2010/main" xmlns="" w="9525">
                   <a:solidFill>
                     <a:srgbClr val="000000"/>
                   </a:solidFill>
@@ -3034,7 +3034,7 @@
             </a:ln>
             <a:extLst>
               <a:ext uri="{91240B29-F687-4f45-9708-019B960494DF}">
-                <a14:hiddenLine xmlns="" xmlns:a14="http://schemas.microsoft.com/office/drawing/2010/main" w="9525">
+                <a14:hiddenLine xmlns:a14="http://schemas.microsoft.com/office/drawing/2010/main" xmlns="" w="9525">
                   <a:solidFill>
                     <a:srgbClr val="000000"/>
                   </a:solidFill>
@@ -3124,7 +3124,7 @@
             </a:ln>
             <a:extLst>
               <a:ext uri="{91240B29-F687-4f45-9708-019B960494DF}">
-                <a14:hiddenLine xmlns="" xmlns:a14="http://schemas.microsoft.com/office/drawing/2010/main" w="9525">
+                <a14:hiddenLine xmlns:a14="http://schemas.microsoft.com/office/drawing/2010/main" xmlns="" w="9525">
                   <a:solidFill>
                     <a:srgbClr val="000000"/>
                   </a:solidFill>
@@ -3186,7 +3186,7 @@
             </a:ln>
             <a:extLst>
               <a:ext uri="{91240B29-F687-4f45-9708-019B960494DF}">
-                <a14:hiddenLine xmlns="" xmlns:a14="http://schemas.microsoft.com/office/drawing/2010/main" w="9525">
+                <a14:hiddenLine xmlns:a14="http://schemas.microsoft.com/office/drawing/2010/main" xmlns="" w="9525">
                   <a:solidFill>
                     <a:srgbClr val="000000"/>
                   </a:solidFill>
@@ -3248,7 +3248,7 @@
             </a:ln>
             <a:extLst>
               <a:ext uri="{91240B29-F687-4f45-9708-019B960494DF}">
-                <a14:hiddenLine xmlns="" xmlns:a14="http://schemas.microsoft.com/office/drawing/2010/main" w="9525">
+                <a14:hiddenLine xmlns:a14="http://schemas.microsoft.com/office/drawing/2010/main" xmlns="" w="9525">
                   <a:solidFill>
                     <a:srgbClr val="000000"/>
                   </a:solidFill>
@@ -3338,7 +3338,7 @@
             </a:ln>
             <a:extLst>
               <a:ext uri="{91240B29-F687-4f45-9708-019B960494DF}">
-                <a14:hiddenLine xmlns="" xmlns:a14="http://schemas.microsoft.com/office/drawing/2010/main" w="9525">
+                <a14:hiddenLine xmlns:a14="http://schemas.microsoft.com/office/drawing/2010/main" xmlns="" w="9525">
                   <a:solidFill>
                     <a:srgbClr val="000000"/>
                   </a:solidFill>
@@ -3406,7 +3406,7 @@
             </a:ln>
             <a:extLst>
               <a:ext uri="{91240B29-F687-4f45-9708-019B960494DF}">
-                <a14:hiddenLine xmlns="" xmlns:a14="http://schemas.microsoft.com/office/drawing/2010/main" w="9525">
+                <a14:hiddenLine xmlns:a14="http://schemas.microsoft.com/office/drawing/2010/main" xmlns="" w="9525">
                   <a:solidFill>
                     <a:srgbClr val="000000"/>
                   </a:solidFill>
@@ -3468,7 +3468,7 @@
             </a:ln>
             <a:extLst>
               <a:ext uri="{91240B29-F687-4f45-9708-019B960494DF}">
-                <a14:hiddenLine xmlns="" xmlns:a14="http://schemas.microsoft.com/office/drawing/2010/main" w="9525">
+                <a14:hiddenLine xmlns:a14="http://schemas.microsoft.com/office/drawing/2010/main" xmlns="" w="9525">
                   <a:solidFill>
                     <a:srgbClr val="000000"/>
                   </a:solidFill>
@@ -3558,7 +3558,7 @@
             </a:ln>
             <a:extLst>
               <a:ext uri="{91240B29-F687-4f45-9708-019B960494DF}">
-                <a14:hiddenLine xmlns="" xmlns:a14="http://schemas.microsoft.com/office/drawing/2010/main" w="9525">
+                <a14:hiddenLine xmlns:a14="http://schemas.microsoft.com/office/drawing/2010/main" xmlns="" w="9525">
                   <a:solidFill>
                     <a:srgbClr val="000000"/>
                   </a:solidFill>
@@ -3620,7 +3620,7 @@
             </a:ln>
             <a:extLst>
               <a:ext uri="{91240B29-F687-4f45-9708-019B960494DF}">
-                <a14:hiddenLine xmlns="" xmlns:a14="http://schemas.microsoft.com/office/drawing/2010/main" w="9525">
+                <a14:hiddenLine xmlns:a14="http://schemas.microsoft.com/office/drawing/2010/main" xmlns="" w="9525">
                   <a:solidFill>
                     <a:srgbClr val="000000"/>
                   </a:solidFill>
@@ -3710,7 +3710,7 @@
             </a:ln>
             <a:extLst>
               <a:ext uri="{91240B29-F687-4f45-9708-019B960494DF}">
-                <a14:hiddenLine xmlns="" xmlns:a14="http://schemas.microsoft.com/office/drawing/2010/main" w="9525">
+                <a14:hiddenLine xmlns:a14="http://schemas.microsoft.com/office/drawing/2010/main" xmlns="" w="9525">
                   <a:solidFill>
                     <a:srgbClr val="000000"/>
                   </a:solidFill>
@@ -3772,7 +3772,7 @@
             </a:ln>
             <a:extLst>
               <a:ext uri="{91240B29-F687-4f45-9708-019B960494DF}">
-                <a14:hiddenLine xmlns="" xmlns:a14="http://schemas.microsoft.com/office/drawing/2010/main" w="9525">
+                <a14:hiddenLine xmlns:a14="http://schemas.microsoft.com/office/drawing/2010/main" xmlns="" w="9525">
                   <a:solidFill>
                     <a:srgbClr val="000000"/>
                   </a:solidFill>
@@ -3862,7 +3862,7 @@
             </a:ln>
             <a:extLst>
               <a:ext uri="{91240B29-F687-4f45-9708-019B960494DF}">
-                <a14:hiddenLine xmlns="" xmlns:a14="http://schemas.microsoft.com/office/drawing/2010/main" w="9525">
+                <a14:hiddenLine xmlns:a14="http://schemas.microsoft.com/office/drawing/2010/main" xmlns="" w="9525">
                   <a:solidFill>
                     <a:srgbClr val="000000"/>
                   </a:solidFill>
@@ -3896,7 +3896,7 @@
             </a:ln>
             <a:extLst>
               <a:ext uri="{91240B29-F687-4f45-9708-019B960494DF}">
-                <a14:hiddenLine xmlns="" xmlns:a14="http://schemas.microsoft.com/office/drawing/2010/main" w="9525">
+                <a14:hiddenLine xmlns:a14="http://schemas.microsoft.com/office/drawing/2010/main" xmlns="" w="9525">
                   <a:solidFill>
                     <a:srgbClr val="000000"/>
                   </a:solidFill>
@@ -3961,7 +3961,7 @@
             </a:ln>
             <a:extLst>
               <a:ext uri="{91240B29-F687-4f45-9708-019B960494DF}">
-                <a14:hiddenLine xmlns="" xmlns:a14="http://schemas.microsoft.com/office/drawing/2010/main" w="9525">
+                <a14:hiddenLine xmlns:a14="http://schemas.microsoft.com/office/drawing/2010/main" xmlns="" w="9525">
                   <a:solidFill>
                     <a:srgbClr val="000000"/>
                   </a:solidFill>
@@ -4051,7 +4051,7 @@
             </a:ln>
             <a:extLst>
               <a:ext uri="{91240B29-F687-4f45-9708-019B960494DF}">
-                <a14:hiddenLine xmlns="" xmlns:a14="http://schemas.microsoft.com/office/drawing/2010/main" w="9525">
+                <a14:hiddenLine xmlns:a14="http://schemas.microsoft.com/office/drawing/2010/main" xmlns="" w="9525">
                   <a:solidFill>
                     <a:srgbClr val="000000"/>
                   </a:solidFill>
@@ -4113,7 +4113,7 @@
             </a:ln>
             <a:extLst>
               <a:ext uri="{91240B29-F687-4f45-9708-019B960494DF}">
-                <a14:hiddenLine xmlns="" xmlns:a14="http://schemas.microsoft.com/office/drawing/2010/main" w="9525">
+                <a14:hiddenLine xmlns:a14="http://schemas.microsoft.com/office/drawing/2010/main" xmlns="" w="9525">
                   <a:solidFill>
                     <a:srgbClr val="000000"/>
                   </a:solidFill>
@@ -4203,7 +4203,7 @@
             </a:ln>
             <a:extLst>
               <a:ext uri="{91240B29-F687-4f45-9708-019B960494DF}">
-                <a14:hiddenLine xmlns="" xmlns:a14="http://schemas.microsoft.com/office/drawing/2010/main" w="9525">
+                <a14:hiddenLine xmlns:a14="http://schemas.microsoft.com/office/drawing/2010/main" xmlns="" w="9525">
                   <a:solidFill>
                     <a:srgbClr val="000000"/>
                   </a:solidFill>
@@ -4293,7 +4293,7 @@
             </a:ln>
             <a:extLst>
               <a:ext uri="{91240B29-F687-4f45-9708-019B960494DF}">
-                <a14:hiddenLine xmlns="" xmlns:a14="http://schemas.microsoft.com/office/drawing/2010/main" w="9525">
+                <a14:hiddenLine xmlns:a14="http://schemas.microsoft.com/office/drawing/2010/main" xmlns="" w="9525">
                   <a:solidFill>
                     <a:srgbClr val="000000"/>
                   </a:solidFill>
@@ -4358,7 +4358,7 @@
             </a:ln>
             <a:extLst>
               <a:ext uri="{91240B29-F687-4f45-9708-019B960494DF}">
-                <a14:hiddenLine xmlns="" xmlns:a14="http://schemas.microsoft.com/office/drawing/2010/main" w="9525">
+                <a14:hiddenLine xmlns:a14="http://schemas.microsoft.com/office/drawing/2010/main" xmlns="" w="9525">
                   <a:solidFill>
                     <a:srgbClr val="000000"/>
                   </a:solidFill>
@@ -4420,7 +4420,7 @@
             </a:ln>
             <a:extLst>
               <a:ext uri="{91240B29-F687-4f45-9708-019B960494DF}">
-                <a14:hiddenLine xmlns="" xmlns:a14="http://schemas.microsoft.com/office/drawing/2010/main" w="9525">
+                <a14:hiddenLine xmlns:a14="http://schemas.microsoft.com/office/drawing/2010/main" xmlns="" w="9525">
                   <a:solidFill>
                     <a:srgbClr val="000000"/>
                   </a:solidFill>
@@ -4510,7 +4510,7 @@
             </a:ln>
             <a:extLst>
               <a:ext uri="{91240B29-F687-4f45-9708-019B960494DF}">
-                <a14:hiddenLine xmlns="" xmlns:a14="http://schemas.microsoft.com/office/drawing/2010/main" w="9525">
+                <a14:hiddenLine xmlns:a14="http://schemas.microsoft.com/office/drawing/2010/main" xmlns="" w="9525">
                   <a:solidFill>
                     <a:srgbClr val="000000"/>
                   </a:solidFill>
@@ -4600,7 +4600,7 @@
             </a:ln>
             <a:extLst>
               <a:ext uri="{91240B29-F687-4f45-9708-019B960494DF}">
-                <a14:hiddenLine xmlns="" xmlns:a14="http://schemas.microsoft.com/office/drawing/2010/main" w="9525">
+                <a14:hiddenLine xmlns:a14="http://schemas.microsoft.com/office/drawing/2010/main" xmlns="" w="9525">
                   <a:solidFill>
                     <a:srgbClr val="000000"/>
                   </a:solidFill>
@@ -4662,7 +4662,7 @@
             </a:ln>
             <a:extLst>
               <a:ext uri="{91240B29-F687-4f45-9708-019B960494DF}">
-                <a14:hiddenLine xmlns="" xmlns:a14="http://schemas.microsoft.com/office/drawing/2010/main" w="9525">
+                <a14:hiddenLine xmlns:a14="http://schemas.microsoft.com/office/drawing/2010/main" xmlns="" w="9525">
                   <a:solidFill>
                     <a:srgbClr val="000000"/>
                   </a:solidFill>
@@ -4782,7 +4782,7 @@
             </a:ln>
             <a:extLst>
               <a:ext uri="{91240B29-F687-4f45-9708-019B960494DF}">
-                <a14:hiddenLine xmlns="" xmlns:a14="http://schemas.microsoft.com/office/drawing/2010/main" w="9525">
+                <a14:hiddenLine xmlns:a14="http://schemas.microsoft.com/office/drawing/2010/main" xmlns="" w="9525">
                   <a:solidFill>
                     <a:srgbClr val="000000"/>
                   </a:solidFill>
@@ -4850,7 +4850,7 @@
             </a:ln>
             <a:extLst>
               <a:ext uri="{91240B29-F687-4f45-9708-019B960494DF}">
-                <a14:hiddenLine xmlns="" xmlns:a14="http://schemas.microsoft.com/office/drawing/2010/main" w="9525">
+                <a14:hiddenLine xmlns:a14="http://schemas.microsoft.com/office/drawing/2010/main" xmlns="" w="9525">
                   <a:solidFill>
                     <a:srgbClr val="000000"/>
                   </a:solidFill>
@@ -4940,7 +4940,7 @@
             </a:ln>
             <a:extLst>
               <a:ext uri="{91240B29-F687-4f45-9708-019B960494DF}">
-                <a14:hiddenLine xmlns="" xmlns:a14="http://schemas.microsoft.com/office/drawing/2010/main" w="9525">
+                <a14:hiddenLine xmlns:a14="http://schemas.microsoft.com/office/drawing/2010/main" xmlns="" w="9525">
                   <a:solidFill>
                     <a:srgbClr val="000000"/>
                   </a:solidFill>
@@ -5080,7 +5080,7 @@
           <a:p>
             <a:fld id="{48A87A34-81AB-432B-8DAE-1953F412C126}" type="datetimeFigureOut">
               <a:rPr lang="en-US" smtClean="0"/>
-              <a:t>11/29/2018</a:t>
+              <a:t>11/29/18</a:t>
             </a:fld>
             <a:endParaRPr lang="en-US" dirty="0"/>
           </a:p>
@@ -5348,7 +5348,7 @@
             <a:fld id="{48A87A34-81AB-432B-8DAE-1953F412C126}" type="datetimeFigureOut">
               <a:rPr lang="en-US" smtClean="0"/>
               <a:pPr/>
-              <a:t>11/29/2018</a:t>
+              <a:t>11/29/18</a:t>
             </a:fld>
             <a:endParaRPr lang="en-US" dirty="0"/>
           </a:p>
@@ -5546,7 +5546,7 @@
             <a:fld id="{48A87A34-81AB-432B-8DAE-1953F412C126}" type="datetimeFigureOut">
               <a:rPr lang="en-US" smtClean="0"/>
               <a:pPr/>
-              <a:t>11/29/2018</a:t>
+              <a:t>11/29/18</a:t>
             </a:fld>
             <a:endParaRPr lang="en-US" dirty="0"/>
           </a:p>
@@ -5811,7 +5811,7 @@
             <a:fld id="{48A87A34-81AB-432B-8DAE-1953F412C126}" type="datetimeFigureOut">
               <a:rPr lang="en-US" smtClean="0"/>
               <a:pPr/>
-              <a:t>11/29/2018</a:t>
+              <a:t>11/29/18</a:t>
             </a:fld>
             <a:endParaRPr lang="en-US" dirty="0"/>
           </a:p>
@@ -6247,7 +6247,7 @@
             <a:fld id="{48A87A34-81AB-432B-8DAE-1953F412C126}" type="datetimeFigureOut">
               <a:rPr lang="en-US" smtClean="0"/>
               <a:pPr/>
-              <a:t>11/29/2018</a:t>
+              <a:t>11/29/18</a:t>
             </a:fld>
             <a:endParaRPr lang="en-US" dirty="0"/>
           </a:p>
@@ -6795,7 +6795,7 @@
             <a:fld id="{48A87A34-81AB-432B-8DAE-1953F412C126}" type="datetimeFigureOut">
               <a:rPr lang="en-US" smtClean="0"/>
               <a:pPr/>
-              <a:t>11/29/2018</a:t>
+              <a:t>11/29/18</a:t>
             </a:fld>
             <a:endParaRPr lang="en-US" dirty="0"/>
           </a:p>
@@ -7517,7 +7517,7 @@
             <a:fld id="{48A87A34-81AB-432B-8DAE-1953F412C126}" type="datetimeFigureOut">
               <a:rPr lang="en-US" smtClean="0"/>
               <a:pPr/>
-              <a:t>11/29/2018</a:t>
+              <a:t>11/29/18</a:t>
             </a:fld>
             <a:endParaRPr lang="en-US" dirty="0"/>
           </a:p>
@@ -7688,7 +7688,7 @@
           <a:p>
             <a:fld id="{48A87A34-81AB-432B-8DAE-1953F412C126}" type="datetimeFigureOut">
               <a:rPr lang="en-US" smtClean="0"/>
-              <a:t>11/29/2018</a:t>
+              <a:t>11/29/18</a:t>
             </a:fld>
             <a:endParaRPr lang="en-US" dirty="0"/>
           </a:p>
@@ -7868,7 +7868,7 @@
           <a:p>
             <a:fld id="{48A87A34-81AB-432B-8DAE-1953F412C126}" type="datetimeFigureOut">
               <a:rPr lang="en-US" smtClean="0"/>
-              <a:t>11/29/2018</a:t>
+              <a:t>11/29/18</a:t>
             </a:fld>
             <a:endParaRPr lang="en-US" dirty="0"/>
           </a:p>
@@ -8038,7 +8038,7 @@
           <a:p>
             <a:fld id="{48A87A34-81AB-432B-8DAE-1953F412C126}" type="datetimeFigureOut">
               <a:rPr lang="en-US" smtClean="0"/>
-              <a:t>11/29/2018</a:t>
+              <a:t>11/29/18</a:t>
             </a:fld>
             <a:endParaRPr lang="en-US" dirty="0"/>
           </a:p>
@@ -8288,7 +8288,7 @@
           <a:p>
             <a:fld id="{48A87A34-81AB-432B-8DAE-1953F412C126}" type="datetimeFigureOut">
               <a:rPr lang="en-US" smtClean="0"/>
-              <a:t>11/29/2018</a:t>
+              <a:t>11/29/18</a:t>
             </a:fld>
             <a:endParaRPr lang="en-US" dirty="0"/>
           </a:p>
@@ -8520,7 +8520,7 @@
           <a:p>
             <a:fld id="{48A87A34-81AB-432B-8DAE-1953F412C126}" type="datetimeFigureOut">
               <a:rPr lang="en-US" smtClean="0"/>
-              <a:t>11/29/2018</a:t>
+              <a:t>11/29/18</a:t>
             </a:fld>
             <a:endParaRPr lang="en-US" dirty="0"/>
           </a:p>
@@ -8901,7 +8901,7 @@
           <a:p>
             <a:fld id="{48A87A34-81AB-432B-8DAE-1953F412C126}" type="datetimeFigureOut">
               <a:rPr lang="en-US" smtClean="0"/>
-              <a:t>11/29/2018</a:t>
+              <a:t>11/29/18</a:t>
             </a:fld>
             <a:endParaRPr lang="en-US" dirty="0"/>
           </a:p>
@@ -9019,7 +9019,7 @@
           <a:p>
             <a:fld id="{48A87A34-81AB-432B-8DAE-1953F412C126}" type="datetimeFigureOut">
               <a:rPr lang="en-US" smtClean="0"/>
-              <a:t>11/29/2018</a:t>
+              <a:t>11/29/18</a:t>
             </a:fld>
             <a:endParaRPr lang="en-US" dirty="0"/>
           </a:p>
@@ -9114,7 +9114,7 @@
           <a:p>
             <a:fld id="{48A87A34-81AB-432B-8DAE-1953F412C126}" type="datetimeFigureOut">
               <a:rPr lang="en-US" smtClean="0"/>
-              <a:t>11/29/2018</a:t>
+              <a:t>11/29/18</a:t>
             </a:fld>
             <a:endParaRPr lang="en-US" dirty="0"/>
           </a:p>
@@ -9363,7 +9363,7 @@
           <a:p>
             <a:fld id="{48A87A34-81AB-432B-8DAE-1953F412C126}" type="datetimeFigureOut">
               <a:rPr lang="en-US" smtClean="0"/>
-              <a:t>11/29/2018</a:t>
+              <a:t>11/29/18</a:t>
             </a:fld>
             <a:endParaRPr lang="en-US" dirty="0"/>
           </a:p>
@@ -9643,7 +9643,7 @@
           <a:p>
             <a:fld id="{48A87A34-81AB-432B-8DAE-1953F412C126}" type="datetimeFigureOut">
               <a:rPr lang="en-US" smtClean="0"/>
-              <a:t>11/29/2018</a:t>
+              <a:t>11/29/18</a:t>
             </a:fld>
             <a:endParaRPr lang="en-US" dirty="0"/>
           </a:p>
@@ -9759,7 +9759,7 @@
           <a:noFill/>
           <a:extLst>
             <a:ext uri="{909E8E84-426E-40dd-AFC4-6F175D3DCCD1}">
-              <a14:hiddenFill xmlns="" xmlns:a14="http://schemas.microsoft.com/office/drawing/2010/main">
+              <a14:hiddenFill xmlns:a14="http://schemas.microsoft.com/office/drawing/2010/main" xmlns="">
                 <a:solidFill>
                   <a:srgbClr val="FFFFFF"/>
                 </a:solidFill>
@@ -9833,7 +9833,7 @@
               </a:ln>
               <a:extLst>
                 <a:ext uri="{91240B29-F687-4f45-9708-019B960494DF}">
-                  <a14:hiddenLine xmlns="" xmlns:a14="http://schemas.microsoft.com/office/drawing/2010/main" w="9525">
+                  <a14:hiddenLine xmlns:a14="http://schemas.microsoft.com/office/drawing/2010/main" xmlns="" w="9525">
                     <a:solidFill>
                       <a:srgbClr val="000000"/>
                     </a:solidFill>
@@ -9923,7 +9923,7 @@
               </a:ln>
               <a:extLst>
                 <a:ext uri="{91240B29-F687-4f45-9708-019B960494DF}">
-                  <a14:hiddenLine xmlns="" xmlns:a14="http://schemas.microsoft.com/office/drawing/2010/main" w="9525">
+                  <a14:hiddenLine xmlns:a14="http://schemas.microsoft.com/office/drawing/2010/main" xmlns="" w="9525">
                     <a:solidFill>
                       <a:srgbClr val="000000"/>
                     </a:solidFill>
@@ -10013,7 +10013,7 @@
               </a:ln>
               <a:extLst>
                 <a:ext uri="{91240B29-F687-4f45-9708-019B960494DF}">
-                  <a14:hiddenLine xmlns="" xmlns:a14="http://schemas.microsoft.com/office/drawing/2010/main" w="9525">
+                  <a14:hiddenLine xmlns:a14="http://schemas.microsoft.com/office/drawing/2010/main" xmlns="" w="9525">
                     <a:solidFill>
                       <a:srgbClr val="000000"/>
                     </a:solidFill>
@@ -10075,7 +10075,7 @@
               </a:ln>
               <a:extLst>
                 <a:ext uri="{91240B29-F687-4f45-9708-019B960494DF}">
-                  <a14:hiddenLine xmlns="" xmlns:a14="http://schemas.microsoft.com/office/drawing/2010/main" w="9525">
+                  <a14:hiddenLine xmlns:a14="http://schemas.microsoft.com/office/drawing/2010/main" xmlns="" w="9525">
                     <a:solidFill>
                       <a:srgbClr val="000000"/>
                     </a:solidFill>
@@ -10165,7 +10165,7 @@
               </a:ln>
               <a:extLst>
                 <a:ext uri="{91240B29-F687-4f45-9708-019B960494DF}">
-                  <a14:hiddenLine xmlns="" xmlns:a14="http://schemas.microsoft.com/office/drawing/2010/main" w="9525">
+                  <a14:hiddenLine xmlns:a14="http://schemas.microsoft.com/office/drawing/2010/main" xmlns="" w="9525">
                     <a:solidFill>
                       <a:srgbClr val="000000"/>
                     </a:solidFill>
@@ -10227,7 +10227,7 @@
               </a:ln>
               <a:extLst>
                 <a:ext uri="{91240B29-F687-4f45-9708-019B960494DF}">
-                  <a14:hiddenLine xmlns="" xmlns:a14="http://schemas.microsoft.com/office/drawing/2010/main" w="9525">
+                  <a14:hiddenLine xmlns:a14="http://schemas.microsoft.com/office/drawing/2010/main" xmlns="" w="9525">
                     <a:solidFill>
                       <a:srgbClr val="000000"/>
                     </a:solidFill>
@@ -10289,7 +10289,7 @@
               </a:ln>
               <a:extLst>
                 <a:ext uri="{91240B29-F687-4f45-9708-019B960494DF}">
-                  <a14:hiddenLine xmlns="" xmlns:a14="http://schemas.microsoft.com/office/drawing/2010/main" w="9525">
+                  <a14:hiddenLine xmlns:a14="http://schemas.microsoft.com/office/drawing/2010/main" xmlns="" w="9525">
                     <a:solidFill>
                       <a:srgbClr val="000000"/>
                     </a:solidFill>
@@ -10379,7 +10379,7 @@
               </a:ln>
               <a:extLst>
                 <a:ext uri="{91240B29-F687-4f45-9708-019B960494DF}">
-                  <a14:hiddenLine xmlns="" xmlns:a14="http://schemas.microsoft.com/office/drawing/2010/main" w="9525">
+                  <a14:hiddenLine xmlns:a14="http://schemas.microsoft.com/office/drawing/2010/main" xmlns="" w="9525">
                     <a:solidFill>
                       <a:srgbClr val="000000"/>
                     </a:solidFill>
@@ -10469,7 +10469,7 @@
               </a:ln>
               <a:extLst>
                 <a:ext uri="{91240B29-F687-4f45-9708-019B960494DF}">
-                  <a14:hiddenLine xmlns="" xmlns:a14="http://schemas.microsoft.com/office/drawing/2010/main" w="9525">
+                  <a14:hiddenLine xmlns:a14="http://schemas.microsoft.com/office/drawing/2010/main" xmlns="" w="9525">
                     <a:solidFill>
                       <a:srgbClr val="000000"/>
                     </a:solidFill>
@@ -10531,7 +10531,7 @@
               </a:ln>
               <a:extLst>
                 <a:ext uri="{91240B29-F687-4f45-9708-019B960494DF}">
-                  <a14:hiddenLine xmlns="" xmlns:a14="http://schemas.microsoft.com/office/drawing/2010/main" w="9525">
+                  <a14:hiddenLine xmlns:a14="http://schemas.microsoft.com/office/drawing/2010/main" xmlns="" w="9525">
                     <a:solidFill>
                       <a:srgbClr val="000000"/>
                     </a:solidFill>
@@ -10641,7 +10641,7 @@
               </a:ln>
               <a:extLst>
                 <a:ext uri="{91240B29-F687-4f45-9708-019B960494DF}">
-                  <a14:hiddenLine xmlns="" xmlns:a14="http://schemas.microsoft.com/office/drawing/2010/main" w="9525">
+                  <a14:hiddenLine xmlns:a14="http://schemas.microsoft.com/office/drawing/2010/main" xmlns="" w="9525">
                     <a:solidFill>
                       <a:srgbClr val="000000"/>
                     </a:solidFill>
@@ -10725,7 +10725,7 @@
               </a:ln>
               <a:extLst>
                 <a:ext uri="{91240B29-F687-4f45-9708-019B960494DF}">
-                  <a14:hiddenLine xmlns="" xmlns:a14="http://schemas.microsoft.com/office/drawing/2010/main" w="9525">
+                  <a14:hiddenLine xmlns:a14="http://schemas.microsoft.com/office/drawing/2010/main" xmlns="" w="9525">
                     <a:solidFill>
                       <a:srgbClr val="000000"/>
                     </a:solidFill>
@@ -10787,7 +10787,7 @@
               </a:ln>
               <a:extLst>
                 <a:ext uri="{91240B29-F687-4f45-9708-019B960494DF}">
-                  <a14:hiddenLine xmlns="" xmlns:a14="http://schemas.microsoft.com/office/drawing/2010/main" w="9525">
+                  <a14:hiddenLine xmlns:a14="http://schemas.microsoft.com/office/drawing/2010/main" xmlns="" w="9525">
                     <a:solidFill>
                       <a:srgbClr val="000000"/>
                     </a:solidFill>
@@ -10849,7 +10849,7 @@
               </a:ln>
               <a:extLst>
                 <a:ext uri="{91240B29-F687-4f45-9708-019B960494DF}">
-                  <a14:hiddenLine xmlns="" xmlns:a14="http://schemas.microsoft.com/office/drawing/2010/main" w="9525">
+                  <a14:hiddenLine xmlns:a14="http://schemas.microsoft.com/office/drawing/2010/main" xmlns="" w="9525">
                     <a:solidFill>
                       <a:srgbClr val="000000"/>
                     </a:solidFill>
@@ -10939,7 +10939,7 @@
               </a:ln>
               <a:extLst>
                 <a:ext uri="{91240B29-F687-4f45-9708-019B960494DF}">
-                  <a14:hiddenLine xmlns="" xmlns:a14="http://schemas.microsoft.com/office/drawing/2010/main" w="9525">
+                  <a14:hiddenLine xmlns:a14="http://schemas.microsoft.com/office/drawing/2010/main" xmlns="" w="9525">
                     <a:solidFill>
                       <a:srgbClr val="000000"/>
                     </a:solidFill>
@@ -10973,7 +10973,7 @@
               </a:ln>
               <a:extLst>
                 <a:ext uri="{91240B29-F687-4f45-9708-019B960494DF}">
-                  <a14:hiddenLine xmlns="" xmlns:a14="http://schemas.microsoft.com/office/drawing/2010/main" w="9525">
+                  <a14:hiddenLine xmlns:a14="http://schemas.microsoft.com/office/drawing/2010/main" xmlns="" w="9525">
                     <a:solidFill>
                       <a:srgbClr val="000000"/>
                     </a:solidFill>
@@ -11038,7 +11038,7 @@
               </a:ln>
               <a:extLst>
                 <a:ext uri="{91240B29-F687-4f45-9708-019B960494DF}">
-                  <a14:hiddenLine xmlns="" xmlns:a14="http://schemas.microsoft.com/office/drawing/2010/main" w="9525">
+                  <a14:hiddenLine xmlns:a14="http://schemas.microsoft.com/office/drawing/2010/main" xmlns="" w="9525">
                     <a:solidFill>
                       <a:srgbClr val="000000"/>
                     </a:solidFill>
@@ -11128,7 +11128,7 @@
               </a:ln>
               <a:extLst>
                 <a:ext uri="{91240B29-F687-4f45-9708-019B960494DF}">
-                  <a14:hiddenLine xmlns="" xmlns:a14="http://schemas.microsoft.com/office/drawing/2010/main" w="9525">
+                  <a14:hiddenLine xmlns:a14="http://schemas.microsoft.com/office/drawing/2010/main" xmlns="" w="9525">
                     <a:solidFill>
                       <a:srgbClr val="000000"/>
                     </a:solidFill>
@@ -11190,7 +11190,7 @@
               </a:ln>
               <a:extLst>
                 <a:ext uri="{91240B29-F687-4f45-9708-019B960494DF}">
-                  <a14:hiddenLine xmlns="" xmlns:a14="http://schemas.microsoft.com/office/drawing/2010/main" w="9525">
+                  <a14:hiddenLine xmlns:a14="http://schemas.microsoft.com/office/drawing/2010/main" xmlns="" w="9525">
                     <a:solidFill>
                       <a:srgbClr val="000000"/>
                     </a:solidFill>
@@ -11280,7 +11280,7 @@
               </a:ln>
               <a:extLst>
                 <a:ext uri="{91240B29-F687-4f45-9708-019B960494DF}">
-                  <a14:hiddenLine xmlns="" xmlns:a14="http://schemas.microsoft.com/office/drawing/2010/main" w="9525">
+                  <a14:hiddenLine xmlns:a14="http://schemas.microsoft.com/office/drawing/2010/main" xmlns="" w="9525">
                     <a:solidFill>
                       <a:srgbClr val="000000"/>
                     </a:solidFill>
@@ -11345,7 +11345,7 @@
               </a:ln>
               <a:extLst>
                 <a:ext uri="{91240B29-F687-4f45-9708-019B960494DF}">
-                  <a14:hiddenLine xmlns="" xmlns:a14="http://schemas.microsoft.com/office/drawing/2010/main" w="9525">
+                  <a14:hiddenLine xmlns:a14="http://schemas.microsoft.com/office/drawing/2010/main" xmlns="" w="9525">
                     <a:solidFill>
                       <a:srgbClr val="000000"/>
                     </a:solidFill>
@@ -11407,7 +11407,7 @@
               </a:ln>
               <a:extLst>
                 <a:ext uri="{91240B29-F687-4f45-9708-019B960494DF}">
-                  <a14:hiddenLine xmlns="" xmlns:a14="http://schemas.microsoft.com/office/drawing/2010/main" w="9525">
+                  <a14:hiddenLine xmlns:a14="http://schemas.microsoft.com/office/drawing/2010/main" xmlns="" w="9525">
                     <a:solidFill>
                       <a:srgbClr val="000000"/>
                     </a:solidFill>
@@ -11497,7 +11497,7 @@
               </a:ln>
               <a:extLst>
                 <a:ext uri="{91240B29-F687-4f45-9708-019B960494DF}">
-                  <a14:hiddenLine xmlns="" xmlns:a14="http://schemas.microsoft.com/office/drawing/2010/main" w="9525">
+                  <a14:hiddenLine xmlns:a14="http://schemas.microsoft.com/office/drawing/2010/main" xmlns="" w="9525">
                     <a:solidFill>
                       <a:srgbClr val="000000"/>
                     </a:solidFill>
@@ -11587,7 +11587,7 @@
               </a:ln>
               <a:extLst>
                 <a:ext uri="{91240B29-F687-4f45-9708-019B960494DF}">
-                  <a14:hiddenLine xmlns="" xmlns:a14="http://schemas.microsoft.com/office/drawing/2010/main" w="9525">
+                  <a14:hiddenLine xmlns:a14="http://schemas.microsoft.com/office/drawing/2010/main" xmlns="" w="9525">
                     <a:solidFill>
                       <a:srgbClr val="000000"/>
                     </a:solidFill>
@@ -11652,7 +11652,7 @@
               </a:ln>
               <a:extLst>
                 <a:ext uri="{91240B29-F687-4f45-9708-019B960494DF}">
-                  <a14:hiddenLine xmlns="" xmlns:a14="http://schemas.microsoft.com/office/drawing/2010/main" w="9525">
+                  <a14:hiddenLine xmlns:a14="http://schemas.microsoft.com/office/drawing/2010/main" xmlns="" w="9525">
                     <a:solidFill>
                       <a:srgbClr val="000000"/>
                     </a:solidFill>
@@ -11772,7 +11772,7 @@
               </a:ln>
               <a:extLst>
                 <a:ext uri="{91240B29-F687-4f45-9708-019B960494DF}">
-                  <a14:hiddenLine xmlns="" xmlns:a14="http://schemas.microsoft.com/office/drawing/2010/main" w="9525">
+                  <a14:hiddenLine xmlns:a14="http://schemas.microsoft.com/office/drawing/2010/main" xmlns="" w="9525">
                     <a:solidFill>
                       <a:srgbClr val="000000"/>
                     </a:solidFill>
@@ -11870,7 +11870,7 @@
               </a:ln>
               <a:extLst>
                 <a:ext uri="{91240B29-F687-4f45-9708-019B960494DF}">
-                  <a14:hiddenLine xmlns="" xmlns:a14="http://schemas.microsoft.com/office/drawing/2010/main" w="9525">
+                  <a14:hiddenLine xmlns:a14="http://schemas.microsoft.com/office/drawing/2010/main" xmlns="" w="9525">
                     <a:solidFill>
                       <a:srgbClr val="000000"/>
                     </a:solidFill>
@@ -11985,7 +11985,7 @@
               </a:ln>
               <a:extLst>
                 <a:ext uri="{91240B29-F687-4f45-9708-019B960494DF}">
-                  <a14:hiddenLine xmlns="" xmlns:a14="http://schemas.microsoft.com/office/drawing/2010/main" w="9525">
+                  <a14:hiddenLine xmlns:a14="http://schemas.microsoft.com/office/drawing/2010/main" xmlns="" w="9525">
                     <a:solidFill>
                       <a:srgbClr val="000000"/>
                     </a:solidFill>
@@ -12075,7 +12075,7 @@
               </a:ln>
               <a:extLst>
                 <a:ext uri="{91240B29-F687-4f45-9708-019B960494DF}">
-                  <a14:hiddenLine xmlns="" xmlns:a14="http://schemas.microsoft.com/office/drawing/2010/main" w="9525">
+                  <a14:hiddenLine xmlns:a14="http://schemas.microsoft.com/office/drawing/2010/main" xmlns="" w="9525">
                     <a:solidFill>
                       <a:srgbClr val="000000"/>
                     </a:solidFill>
@@ -12140,7 +12140,7 @@
               </a:ln>
               <a:extLst>
                 <a:ext uri="{91240B29-F687-4f45-9708-019B960494DF}">
-                  <a14:hiddenLine xmlns="" xmlns:a14="http://schemas.microsoft.com/office/drawing/2010/main" w="9525">
+                  <a14:hiddenLine xmlns:a14="http://schemas.microsoft.com/office/drawing/2010/main" xmlns="" w="9525">
                     <a:solidFill>
                       <a:srgbClr val="000000"/>
                     </a:solidFill>
@@ -12230,7 +12230,7 @@
               </a:ln>
               <a:extLst>
                 <a:ext uri="{91240B29-F687-4f45-9708-019B960494DF}">
-                  <a14:hiddenLine xmlns="" xmlns:a14="http://schemas.microsoft.com/office/drawing/2010/main" w="9525">
+                  <a14:hiddenLine xmlns:a14="http://schemas.microsoft.com/office/drawing/2010/main" xmlns="" w="9525">
                     <a:solidFill>
                       <a:srgbClr val="000000"/>
                     </a:solidFill>
@@ -12298,7 +12298,7 @@
               </a:ln>
               <a:extLst>
                 <a:ext uri="{91240B29-F687-4f45-9708-019B960494DF}">
-                  <a14:hiddenLine xmlns="" xmlns:a14="http://schemas.microsoft.com/office/drawing/2010/main" w="9525">
+                  <a14:hiddenLine xmlns:a14="http://schemas.microsoft.com/office/drawing/2010/main" xmlns="" w="9525">
                     <a:solidFill>
                       <a:srgbClr val="000000"/>
                     </a:solidFill>
@@ -12388,7 +12388,7 @@
               </a:ln>
               <a:extLst>
                 <a:ext uri="{91240B29-F687-4f45-9708-019B960494DF}">
-                  <a14:hiddenLine xmlns="" xmlns:a14="http://schemas.microsoft.com/office/drawing/2010/main" w="9525">
+                  <a14:hiddenLine xmlns:a14="http://schemas.microsoft.com/office/drawing/2010/main" xmlns="" w="9525">
                     <a:solidFill>
                       <a:srgbClr val="000000"/>
                     </a:solidFill>
@@ -12456,7 +12456,7 @@
               </a:ln>
               <a:extLst>
                 <a:ext uri="{91240B29-F687-4f45-9708-019B960494DF}">
-                  <a14:hiddenLine xmlns="" xmlns:a14="http://schemas.microsoft.com/office/drawing/2010/main" w="9525">
+                  <a14:hiddenLine xmlns:a14="http://schemas.microsoft.com/office/drawing/2010/main" xmlns="" w="9525">
                     <a:solidFill>
                       <a:srgbClr val="000000"/>
                     </a:solidFill>
@@ -12546,7 +12546,7 @@
               </a:ln>
               <a:extLst>
                 <a:ext uri="{91240B29-F687-4f45-9708-019B960494DF}">
-                  <a14:hiddenLine xmlns="" xmlns:a14="http://schemas.microsoft.com/office/drawing/2010/main" w="9525">
+                  <a14:hiddenLine xmlns:a14="http://schemas.microsoft.com/office/drawing/2010/main" xmlns="" w="9525">
                     <a:solidFill>
                       <a:srgbClr val="000000"/>
                     </a:solidFill>
@@ -12580,7 +12580,7 @@
               </a:ln>
               <a:extLst>
                 <a:ext uri="{91240B29-F687-4f45-9708-019B960494DF}">
-                  <a14:hiddenLine xmlns="" xmlns:a14="http://schemas.microsoft.com/office/drawing/2010/main" w="9525">
+                  <a14:hiddenLine xmlns:a14="http://schemas.microsoft.com/office/drawing/2010/main" xmlns="" w="9525">
                     <a:solidFill>
                       <a:srgbClr val="000000"/>
                     </a:solidFill>
@@ -12721,7 +12721,7 @@
             <a:fld id="{48A87A34-81AB-432B-8DAE-1953F412C126}" type="datetimeFigureOut">
               <a:rPr lang="en-US" smtClean="0"/>
               <a:pPr/>
-              <a:t>11/29/2018</a:t>
+              <a:t>11/29/18</a:t>
             </a:fld>
             <a:endParaRPr lang="en-US" dirty="0"/>
           </a:p>
@@ -13312,7 +13312,7 @@
             <a:noFill/>
             <a:extLst>
               <a:ext uri="{909E8E84-426E-40dd-AFC4-6F175D3DCCD1}">
-                <a14:hiddenFill xmlns:a14="http://schemas.microsoft.com/office/drawing/2010/main" xmlns:p14="http://schemas.microsoft.com/office/powerpoint/2010/main" xmlns:a16="http://schemas.microsoft.com/office/drawing/2014/main" xmlns="">
+                <a14:hiddenFill xmlns="" xmlns:a16="http://schemas.microsoft.com/office/drawing/2014/main" xmlns:p14="http://schemas.microsoft.com/office/powerpoint/2010/main" xmlns:a14="http://schemas.microsoft.com/office/drawing/2010/main">
                   <a:solidFill>
                     <a:srgbClr val="FFFFFF"/>
                   </a:solidFill>
@@ -15955,9 +15955,10 @@
           <a:lstStyle/>
           <a:p>
             <a:r>
-              <a:rPr lang="en-US" dirty="0"/>
-              <a:t>GRAPS</a:t>
+              <a:rPr lang="en-US"/>
+              <a:t>GRAsP</a:t>
             </a:r>
+            <a:endParaRPr lang="en-US" dirty="0"/>
           </a:p>
         </p:txBody>
       </p:sp>
